--- a/Mini_Project1_Aaron_Tan_Drugs.pptx
+++ b/Mini_Project1_Aaron_Tan_Drugs.pptx
@@ -26,10 +26,17 @@
     <p:sldId id="282" r:id="rId20"/>
     <p:sldId id="287" r:id="rId21"/>
     <p:sldId id="285" r:id="rId22"/>
-    <p:sldId id="267" r:id="rId23"/>
-    <p:sldId id="268" r:id="rId24"/>
-    <p:sldId id="288" r:id="rId25"/>
-    <p:sldId id="277" r:id="rId26"/>
+    <p:sldId id="290" r:id="rId23"/>
+    <p:sldId id="267" r:id="rId24"/>
+    <p:sldId id="289" r:id="rId25"/>
+    <p:sldId id="292" r:id="rId26"/>
+    <p:sldId id="293" r:id="rId27"/>
+    <p:sldId id="294" r:id="rId28"/>
+    <p:sldId id="268" r:id="rId29"/>
+    <p:sldId id="296" r:id="rId30"/>
+    <p:sldId id="295" r:id="rId31"/>
+    <p:sldId id="288" r:id="rId32"/>
+    <p:sldId id="277" r:id="rId33"/>
   </p:sldIdLst>
   <p:sldSz cx="12192000" cy="6858000"/>
   <p:notesSz cx="6858000" cy="9144000"/>
@@ -419,7 +426,7 @@
           <a:p>
             <a:fld id="{E80C50CD-E178-4744-9B35-B2F624D6C5E9}" type="datetimeFigureOut">
               <a:rPr lang="en-US" smtClean="0"/>
-              <a:t>9/7/2025</a:t>
+              <a:t>9/11/2025</a:t>
             </a:fld>
             <a:endParaRPr lang="en-US"/>
           </a:p>
@@ -617,7 +624,7 @@
           <a:p>
             <a:fld id="{E80C50CD-E178-4744-9B35-B2F624D6C5E9}" type="datetimeFigureOut">
               <a:rPr lang="en-US" smtClean="0"/>
-              <a:t>9/7/2025</a:t>
+              <a:t>9/11/2025</a:t>
             </a:fld>
             <a:endParaRPr lang="en-US"/>
           </a:p>
@@ -825,7 +832,7 @@
           <a:p>
             <a:fld id="{E80C50CD-E178-4744-9B35-B2F624D6C5E9}" type="datetimeFigureOut">
               <a:rPr lang="en-US" smtClean="0"/>
-              <a:t>9/7/2025</a:t>
+              <a:t>9/11/2025</a:t>
             </a:fld>
             <a:endParaRPr lang="en-US"/>
           </a:p>
@@ -1075,7 +1082,7 @@
           <a:p>
             <a:fld id="{E80C50CD-E178-4744-9B35-B2F624D6C5E9}" type="datetimeFigureOut">
               <a:rPr lang="en-US" smtClean="0"/>
-              <a:t>9/7/2025</a:t>
+              <a:t>9/11/2025</a:t>
             </a:fld>
             <a:endParaRPr lang="en-US"/>
           </a:p>
@@ -1354,7 +1361,7 @@
           <a:p>
             <a:fld id="{E80C50CD-E178-4744-9B35-B2F624D6C5E9}" type="datetimeFigureOut">
               <a:rPr lang="en-US" smtClean="0"/>
-              <a:t>9/7/2025</a:t>
+              <a:t>9/11/2025</a:t>
             </a:fld>
             <a:endParaRPr lang="en-US"/>
           </a:p>
@@ -1671,7 +1678,7 @@
           <a:p>
             <a:fld id="{E80C50CD-E178-4744-9B35-B2F624D6C5E9}" type="datetimeFigureOut">
               <a:rPr lang="en-US" smtClean="0"/>
-              <a:t>9/7/2025</a:t>
+              <a:t>9/11/2025</a:t>
             </a:fld>
             <a:endParaRPr lang="en-US"/>
           </a:p>
@@ -2087,7 +2094,7 @@
           <a:p>
             <a:fld id="{E80C50CD-E178-4744-9B35-B2F624D6C5E9}" type="datetimeFigureOut">
               <a:rPr lang="en-US" smtClean="0"/>
-              <a:t>9/7/2025</a:t>
+              <a:t>9/11/2025</a:t>
             </a:fld>
             <a:endParaRPr lang="en-US"/>
           </a:p>
@@ -2228,7 +2235,7 @@
           <a:p>
             <a:fld id="{E80C50CD-E178-4744-9B35-B2F624D6C5E9}" type="datetimeFigureOut">
               <a:rPr lang="en-US" smtClean="0"/>
-              <a:t>9/7/2025</a:t>
+              <a:t>9/11/2025</a:t>
             </a:fld>
             <a:endParaRPr lang="en-US"/>
           </a:p>
@@ -2341,7 +2348,7 @@
           <a:p>
             <a:fld id="{E80C50CD-E178-4744-9B35-B2F624D6C5E9}" type="datetimeFigureOut">
               <a:rPr lang="en-US" smtClean="0"/>
-              <a:t>9/7/2025</a:t>
+              <a:t>9/11/2025</a:t>
             </a:fld>
             <a:endParaRPr lang="en-US"/>
           </a:p>
@@ -2658,7 +2665,7 @@
           <a:p>
             <a:fld id="{E80C50CD-E178-4744-9B35-B2F624D6C5E9}" type="datetimeFigureOut">
               <a:rPr lang="en-US" smtClean="0"/>
-              <a:t>9/7/2025</a:t>
+              <a:t>9/11/2025</a:t>
             </a:fld>
             <a:endParaRPr lang="en-US"/>
           </a:p>
@@ -2950,7 +2957,7 @@
           <a:p>
             <a:fld id="{E80C50CD-E178-4744-9B35-B2F624D6C5E9}" type="datetimeFigureOut">
               <a:rPr lang="en-US" smtClean="0"/>
-              <a:t>9/7/2025</a:t>
+              <a:t>9/11/2025</a:t>
             </a:fld>
             <a:endParaRPr lang="en-US"/>
           </a:p>
@@ -3190,7 +3197,7 @@
             <a:fld id="{E80C50CD-E178-4744-9B35-B2F624D6C5E9}" type="datetimeFigureOut">
               <a:rPr lang="en-US" smtClean="0"/>
               <a:pPr/>
-              <a:t>9/7/2025</a:t>
+              <a:t>9/11/2025</a:t>
             </a:fld>
             <a:endParaRPr lang="en-US"/>
           </a:p>
@@ -7585,6 +7592,160 @@
           </a:prstGeom>
         </p:spPr>
       </p:pic>
+      <p:sp>
+        <p:nvSpPr>
+          <p:cNvPr id="3" name="Rectangle 2">
+            <a:extLst>
+              <a:ext uri="{FF2B5EF4-FFF2-40B4-BE49-F238E27FC236}">
+                <a16:creationId xmlns:a16="http://schemas.microsoft.com/office/drawing/2014/main" id="{604C139A-765F-5D0C-8650-BE824CFF25C5}"/>
+              </a:ext>
+            </a:extLst>
+          </p:cNvPr>
+          <p:cNvSpPr/>
+          <p:nvPr/>
+        </p:nvSpPr>
+        <p:spPr>
+          <a:xfrm>
+            <a:off x="9035581" y="2103938"/>
+            <a:ext cx="1274619" cy="4399234"/>
+          </a:xfrm>
+          <a:prstGeom prst="rect">
+            <a:avLst/>
+          </a:prstGeom>
+          <a:noFill/>
+          <a:ln w="38100">
+            <a:solidFill>
+              <a:srgbClr val="FF0000"/>
+            </a:solidFill>
+          </a:ln>
+        </p:spPr>
+        <p:style>
+          <a:lnRef idx="2">
+            <a:schemeClr val="accent3"/>
+          </a:lnRef>
+          <a:fillRef idx="1">
+            <a:schemeClr val="lt1"/>
+          </a:fillRef>
+          <a:effectRef idx="0">
+            <a:schemeClr val="accent3"/>
+          </a:effectRef>
+          <a:fontRef idx="minor">
+            <a:schemeClr val="dk1"/>
+          </a:fontRef>
+        </p:style>
+        <p:txBody>
+          <a:bodyPr rtlCol="0" anchor="ctr"/>
+          <a:lstStyle/>
+          <a:p>
+            <a:pPr algn="ctr"/>
+            <a:endParaRPr lang="en-AU"/>
+          </a:p>
+        </p:txBody>
+      </p:sp>
+      <p:sp>
+        <p:nvSpPr>
+          <p:cNvPr id="7" name="Rectangle 6">
+            <a:extLst>
+              <a:ext uri="{FF2B5EF4-FFF2-40B4-BE49-F238E27FC236}">
+                <a16:creationId xmlns:a16="http://schemas.microsoft.com/office/drawing/2014/main" id="{61228356-ECA7-71D6-0077-B85AD2C7086B}"/>
+              </a:ext>
+            </a:extLst>
+          </p:cNvPr>
+          <p:cNvSpPr/>
+          <p:nvPr/>
+        </p:nvSpPr>
+        <p:spPr>
+          <a:xfrm>
+            <a:off x="10452154" y="2103939"/>
+            <a:ext cx="1475857" cy="4399234"/>
+          </a:xfrm>
+          <a:prstGeom prst="rect">
+            <a:avLst/>
+          </a:prstGeom>
+          <a:noFill/>
+          <a:ln w="38100">
+            <a:solidFill>
+              <a:srgbClr val="0070C0"/>
+            </a:solidFill>
+          </a:ln>
+        </p:spPr>
+        <p:style>
+          <a:lnRef idx="2">
+            <a:schemeClr val="accent3"/>
+          </a:lnRef>
+          <a:fillRef idx="1">
+            <a:schemeClr val="lt1"/>
+          </a:fillRef>
+          <a:effectRef idx="0">
+            <a:schemeClr val="accent3"/>
+          </a:effectRef>
+          <a:fontRef idx="minor">
+            <a:schemeClr val="dk1"/>
+          </a:fontRef>
+        </p:style>
+        <p:txBody>
+          <a:bodyPr rtlCol="0" anchor="ctr"/>
+          <a:lstStyle/>
+          <a:p>
+            <a:pPr algn="ctr"/>
+            <a:endParaRPr lang="en-AU">
+              <a:solidFill>
+                <a:srgbClr val="0070C0"/>
+              </a:solidFill>
+            </a:endParaRPr>
+          </a:p>
+        </p:txBody>
+      </p:sp>
+      <p:sp>
+        <p:nvSpPr>
+          <p:cNvPr id="9" name="Rectangle 8">
+            <a:extLst>
+              <a:ext uri="{FF2B5EF4-FFF2-40B4-BE49-F238E27FC236}">
+                <a16:creationId xmlns:a16="http://schemas.microsoft.com/office/drawing/2014/main" id="{8C37164B-FFF9-643E-5AD8-E854FC93C82D}"/>
+              </a:ext>
+            </a:extLst>
+          </p:cNvPr>
+          <p:cNvSpPr/>
+          <p:nvPr/>
+        </p:nvSpPr>
+        <p:spPr>
+          <a:xfrm>
+            <a:off x="7638655" y="3810001"/>
+            <a:ext cx="1274619" cy="2693172"/>
+          </a:xfrm>
+          <a:prstGeom prst="rect">
+            <a:avLst/>
+          </a:prstGeom>
+          <a:noFill/>
+          <a:ln w="38100">
+            <a:solidFill>
+              <a:srgbClr val="00B050"/>
+            </a:solidFill>
+          </a:ln>
+        </p:spPr>
+        <p:style>
+          <a:lnRef idx="2">
+            <a:schemeClr val="accent3"/>
+          </a:lnRef>
+          <a:fillRef idx="1">
+            <a:schemeClr val="lt1"/>
+          </a:fillRef>
+          <a:effectRef idx="0">
+            <a:schemeClr val="accent3"/>
+          </a:effectRef>
+          <a:fontRef idx="minor">
+            <a:schemeClr val="dk1"/>
+          </a:fontRef>
+        </p:style>
+        <p:txBody>
+          <a:bodyPr rtlCol="0" anchor="ctr"/>
+          <a:lstStyle/>
+          <a:p>
+            <a:pPr algn="ctr"/>
+            <a:endParaRPr lang="en-AU"/>
+          </a:p>
+        </p:txBody>
+      </p:sp>
     </p:spTree>
     <p:extLst>
       <p:ext uri="{BB962C8B-B14F-4D97-AF65-F5344CB8AC3E}">
@@ -7595,357 +7756,6 @@
   <p:clrMapOvr>
     <a:masterClrMapping/>
   </p:clrMapOvr>
-  <p:timing>
-    <p:tnLst>
-      <p:par>
-        <p:cTn id="1" dur="indefinite" restart="never" nodeType="tmRoot">
-          <p:childTnLst>
-            <p:seq concurrent="1" nextAc="seek">
-              <p:cTn id="2" dur="indefinite" nodeType="mainSeq">
-                <p:childTnLst>
-                  <p:par>
-                    <p:cTn id="3" fill="hold">
-                      <p:stCondLst>
-                        <p:cond delay="indefinite"/>
-                      </p:stCondLst>
-                      <p:childTnLst>
-                        <p:par>
-                          <p:cTn id="4" fill="hold">
-                            <p:stCondLst>
-                              <p:cond delay="0"/>
-                            </p:stCondLst>
-                            <p:childTnLst>
-                              <p:par>
-                                <p:cTn id="5" presetID="2" presetClass="entr" presetSubtype="4" fill="hold" nodeType="clickEffect">
-                                  <p:stCondLst>
-                                    <p:cond delay="0"/>
-                                  </p:stCondLst>
-                                  <p:childTnLst>
-                                    <p:set>
-                                      <p:cBhvr>
-                                        <p:cTn id="6" dur="1" fill="hold">
-                                          <p:stCondLst>
-                                            <p:cond delay="0"/>
-                                          </p:stCondLst>
-                                        </p:cTn>
-                                        <p:tgtEl>
-                                          <p:spTgt spid="8">
-                                            <p:txEl>
-                                              <p:pRg st="2" end="2"/>
-                                            </p:txEl>
-                                          </p:spTgt>
-                                        </p:tgtEl>
-                                        <p:attrNameLst>
-                                          <p:attrName>style.visibility</p:attrName>
-                                        </p:attrNameLst>
-                                      </p:cBhvr>
-                                      <p:to>
-                                        <p:strVal val="visible"/>
-                                      </p:to>
-                                    </p:set>
-                                    <p:anim calcmode="lin" valueType="num">
-                                      <p:cBhvr additive="base">
-                                        <p:cTn id="7" dur="500" fill="hold"/>
-                                        <p:tgtEl>
-                                          <p:spTgt spid="8">
-                                            <p:txEl>
-                                              <p:pRg st="2" end="2"/>
-                                            </p:txEl>
-                                          </p:spTgt>
-                                        </p:tgtEl>
-                                        <p:attrNameLst>
-                                          <p:attrName>ppt_x</p:attrName>
-                                        </p:attrNameLst>
-                                      </p:cBhvr>
-                                      <p:tavLst>
-                                        <p:tav tm="0">
-                                          <p:val>
-                                            <p:strVal val="#ppt_x"/>
-                                          </p:val>
-                                        </p:tav>
-                                        <p:tav tm="100000">
-                                          <p:val>
-                                            <p:strVal val="#ppt_x"/>
-                                          </p:val>
-                                        </p:tav>
-                                      </p:tavLst>
-                                    </p:anim>
-                                    <p:anim calcmode="lin" valueType="num">
-                                      <p:cBhvr additive="base">
-                                        <p:cTn id="8" dur="500" fill="hold"/>
-                                        <p:tgtEl>
-                                          <p:spTgt spid="8">
-                                            <p:txEl>
-                                              <p:pRg st="2" end="2"/>
-                                            </p:txEl>
-                                          </p:spTgt>
-                                        </p:tgtEl>
-                                        <p:attrNameLst>
-                                          <p:attrName>ppt_y</p:attrName>
-                                        </p:attrNameLst>
-                                      </p:cBhvr>
-                                      <p:tavLst>
-                                        <p:tav tm="0">
-                                          <p:val>
-                                            <p:strVal val="1+#ppt_h/2"/>
-                                          </p:val>
-                                        </p:tav>
-                                        <p:tav tm="100000">
-                                          <p:val>
-                                            <p:strVal val="#ppt_y"/>
-                                          </p:val>
-                                        </p:tav>
-                                      </p:tavLst>
-                                    </p:anim>
-                                  </p:childTnLst>
-                                </p:cTn>
-                              </p:par>
-                            </p:childTnLst>
-                          </p:cTn>
-                        </p:par>
-                      </p:childTnLst>
-                    </p:cTn>
-                  </p:par>
-                  <p:par>
-                    <p:cTn id="9" fill="hold">
-                      <p:stCondLst>
-                        <p:cond delay="indefinite"/>
-                      </p:stCondLst>
-                      <p:childTnLst>
-                        <p:par>
-                          <p:cTn id="10" fill="hold">
-                            <p:stCondLst>
-                              <p:cond delay="0"/>
-                            </p:stCondLst>
-                            <p:childTnLst>
-                              <p:par>
-                                <p:cTn id="11" presetID="2" presetClass="entr" presetSubtype="4" fill="hold" nodeType="clickEffect">
-                                  <p:stCondLst>
-                                    <p:cond delay="0"/>
-                                  </p:stCondLst>
-                                  <p:childTnLst>
-                                    <p:set>
-                                      <p:cBhvr>
-                                        <p:cTn id="12" dur="1" fill="hold">
-                                          <p:stCondLst>
-                                            <p:cond delay="0"/>
-                                          </p:stCondLst>
-                                        </p:cTn>
-                                        <p:tgtEl>
-                                          <p:spTgt spid="8">
-                                            <p:txEl>
-                                              <p:pRg st="3" end="3"/>
-                                            </p:txEl>
-                                          </p:spTgt>
-                                        </p:tgtEl>
-                                        <p:attrNameLst>
-                                          <p:attrName>style.visibility</p:attrName>
-                                        </p:attrNameLst>
-                                      </p:cBhvr>
-                                      <p:to>
-                                        <p:strVal val="visible"/>
-                                      </p:to>
-                                    </p:set>
-                                    <p:anim calcmode="lin" valueType="num">
-                                      <p:cBhvr additive="base">
-                                        <p:cTn id="13" dur="500" fill="hold"/>
-                                        <p:tgtEl>
-                                          <p:spTgt spid="8">
-                                            <p:txEl>
-                                              <p:pRg st="3" end="3"/>
-                                            </p:txEl>
-                                          </p:spTgt>
-                                        </p:tgtEl>
-                                        <p:attrNameLst>
-                                          <p:attrName>ppt_x</p:attrName>
-                                        </p:attrNameLst>
-                                      </p:cBhvr>
-                                      <p:tavLst>
-                                        <p:tav tm="0">
-                                          <p:val>
-                                            <p:strVal val="#ppt_x"/>
-                                          </p:val>
-                                        </p:tav>
-                                        <p:tav tm="100000">
-                                          <p:val>
-                                            <p:strVal val="#ppt_x"/>
-                                          </p:val>
-                                        </p:tav>
-                                      </p:tavLst>
-                                    </p:anim>
-                                    <p:anim calcmode="lin" valueType="num">
-                                      <p:cBhvr additive="base">
-                                        <p:cTn id="14" dur="500" fill="hold"/>
-                                        <p:tgtEl>
-                                          <p:spTgt spid="8">
-                                            <p:txEl>
-                                              <p:pRg st="3" end="3"/>
-                                            </p:txEl>
-                                          </p:spTgt>
-                                        </p:tgtEl>
-                                        <p:attrNameLst>
-                                          <p:attrName>ppt_y</p:attrName>
-                                        </p:attrNameLst>
-                                      </p:cBhvr>
-                                      <p:tavLst>
-                                        <p:tav tm="0">
-                                          <p:val>
-                                            <p:strVal val="1+#ppt_h/2"/>
-                                          </p:val>
-                                        </p:tav>
-                                        <p:tav tm="100000">
-                                          <p:val>
-                                            <p:strVal val="#ppt_y"/>
-                                          </p:val>
-                                        </p:tav>
-                                      </p:tavLst>
-                                    </p:anim>
-                                  </p:childTnLst>
-                                </p:cTn>
-                              </p:par>
-                            </p:childTnLst>
-                          </p:cTn>
-                        </p:par>
-                      </p:childTnLst>
-                    </p:cTn>
-                  </p:par>
-                  <p:par>
-                    <p:cTn id="15" fill="hold">
-                      <p:stCondLst>
-                        <p:cond delay="indefinite"/>
-                      </p:stCondLst>
-                      <p:childTnLst>
-                        <p:par>
-                          <p:cTn id="16" fill="hold">
-                            <p:stCondLst>
-                              <p:cond delay="0"/>
-                            </p:stCondLst>
-                            <p:childTnLst>
-                              <p:par>
-                                <p:cTn id="17" presetID="42" presetClass="entr" presetSubtype="0" fill="hold" nodeType="clickEffect">
-                                  <p:stCondLst>
-                                    <p:cond delay="0"/>
-                                  </p:stCondLst>
-                                  <p:childTnLst>
-                                    <p:set>
-                                      <p:cBhvr>
-                                        <p:cTn id="18" dur="1" fill="hold">
-                                          <p:stCondLst>
-                                            <p:cond delay="0"/>
-                                          </p:stCondLst>
-                                        </p:cTn>
-                                        <p:tgtEl>
-                                          <p:spTgt spid="8">
-                                            <p:txEl>
-                                              <p:pRg st="5" end="5"/>
-                                            </p:txEl>
-                                          </p:spTgt>
-                                        </p:tgtEl>
-                                        <p:attrNameLst>
-                                          <p:attrName>style.visibility</p:attrName>
-                                        </p:attrNameLst>
-                                      </p:cBhvr>
-                                      <p:to>
-                                        <p:strVal val="visible"/>
-                                      </p:to>
-                                    </p:set>
-                                    <p:animEffect transition="in" filter="fade">
-                                      <p:cBhvr>
-                                        <p:cTn id="19" dur="1000"/>
-                                        <p:tgtEl>
-                                          <p:spTgt spid="8">
-                                            <p:txEl>
-                                              <p:pRg st="5" end="5"/>
-                                            </p:txEl>
-                                          </p:spTgt>
-                                        </p:tgtEl>
-                                      </p:cBhvr>
-                                    </p:animEffect>
-                                    <p:anim calcmode="lin" valueType="num">
-                                      <p:cBhvr>
-                                        <p:cTn id="20" dur="1000" fill="hold"/>
-                                        <p:tgtEl>
-                                          <p:spTgt spid="8">
-                                            <p:txEl>
-                                              <p:pRg st="5" end="5"/>
-                                            </p:txEl>
-                                          </p:spTgt>
-                                        </p:tgtEl>
-                                        <p:attrNameLst>
-                                          <p:attrName>ppt_x</p:attrName>
-                                        </p:attrNameLst>
-                                      </p:cBhvr>
-                                      <p:tavLst>
-                                        <p:tav tm="0">
-                                          <p:val>
-                                            <p:strVal val="#ppt_x"/>
-                                          </p:val>
-                                        </p:tav>
-                                        <p:tav tm="100000">
-                                          <p:val>
-                                            <p:strVal val="#ppt_x"/>
-                                          </p:val>
-                                        </p:tav>
-                                      </p:tavLst>
-                                    </p:anim>
-                                    <p:anim calcmode="lin" valueType="num">
-                                      <p:cBhvr>
-                                        <p:cTn id="21" dur="1000" fill="hold"/>
-                                        <p:tgtEl>
-                                          <p:spTgt spid="8">
-                                            <p:txEl>
-                                              <p:pRg st="5" end="5"/>
-                                            </p:txEl>
-                                          </p:spTgt>
-                                        </p:tgtEl>
-                                        <p:attrNameLst>
-                                          <p:attrName>ppt_y</p:attrName>
-                                        </p:attrNameLst>
-                                      </p:cBhvr>
-                                      <p:tavLst>
-                                        <p:tav tm="0">
-                                          <p:val>
-                                            <p:strVal val="#ppt_y+.1"/>
-                                          </p:val>
-                                        </p:tav>
-                                        <p:tav tm="100000">
-                                          <p:val>
-                                            <p:strVal val="#ppt_y"/>
-                                          </p:val>
-                                        </p:tav>
-                                      </p:tavLst>
-                                    </p:anim>
-                                  </p:childTnLst>
-                                </p:cTn>
-                              </p:par>
-                            </p:childTnLst>
-                          </p:cTn>
-                        </p:par>
-                      </p:childTnLst>
-                    </p:cTn>
-                  </p:par>
-                </p:childTnLst>
-              </p:cTn>
-              <p:prevCondLst>
-                <p:cond evt="onPrev" delay="0">
-                  <p:tgtEl>
-                    <p:sldTgt/>
-                  </p:tgtEl>
-                </p:cond>
-              </p:prevCondLst>
-              <p:nextCondLst>
-                <p:cond evt="onNext" delay="0">
-                  <p:tgtEl>
-                    <p:sldTgt/>
-                  </p:tgtEl>
-                </p:cond>
-              </p:nextCondLst>
-            </p:seq>
-          </p:childTnLst>
-        </p:cTn>
-      </p:par>
-    </p:tnLst>
-  </p:timing>
 </p:sld>
 </file>
 
@@ -11320,7 +11130,7 @@
         <p:cNvPr id="1" name="">
           <a:extLst>
             <a:ext uri="{FF2B5EF4-FFF2-40B4-BE49-F238E27FC236}">
-              <a16:creationId xmlns:a16="http://schemas.microsoft.com/office/drawing/2014/main" id="{6C7DF420-8C96-4874-E3AA-38FF081E58E7}"/>
+              <a16:creationId xmlns:a16="http://schemas.microsoft.com/office/drawing/2014/main" id="{E7DDAB51-F667-B9E7-209C-3B5BFC6D4A1A}"/>
             </a:ext>
           </a:extLst>
         </p:cNvPr>
@@ -11340,7 +11150,7 @@
           <p:cNvPr id="2" name="Title 1">
             <a:extLst>
               <a:ext uri="{FF2B5EF4-FFF2-40B4-BE49-F238E27FC236}">
-                <a16:creationId xmlns:a16="http://schemas.microsoft.com/office/drawing/2014/main" id="{760D8385-13EF-F2EF-13F7-9CEB533F7E2F}"/>
+                <a16:creationId xmlns:a16="http://schemas.microsoft.com/office/drawing/2014/main" id="{0CD3D60E-1D4A-0231-EA23-3E0316178891}"/>
               </a:ext>
             </a:extLst>
           </p:cNvPr>
@@ -11377,7 +11187,7 @@
           <p:cNvPr id="3" name="Content Placeholder 2">
             <a:extLst>
               <a:ext uri="{FF2B5EF4-FFF2-40B4-BE49-F238E27FC236}">
-                <a16:creationId xmlns:a16="http://schemas.microsoft.com/office/drawing/2014/main" id="{AA9A8D9F-C61F-8C32-7649-D2A0A1A48C7F}"/>
+                <a16:creationId xmlns:a16="http://schemas.microsoft.com/office/drawing/2014/main" id="{A87FE069-2C20-C75B-D625-391B74487F75}"/>
               </a:ext>
             </a:extLst>
           </p:cNvPr>
@@ -11400,139 +11210,69 @@
           </a:bodyPr>
           <a:lstStyle/>
           <a:p>
-            <a:pPr marL="0" indent="0" algn="ctr">
-              <a:buNone/>
-            </a:pPr>
-            <a:r>
-              <a:rPr lang="en-US" sz="2400" b="1" u="sng" dirty="0"/>
-              <a:t>Recommendations for Improving Dataset Quality and Analysis:</a:t>
-            </a:r>
-          </a:p>
-          <a:p>
             <a:pPr marL="0" indent="0">
               <a:buNone/>
             </a:pPr>
             <a:r>
-              <a:rPr lang="en-AU" sz="2000" b="1" dirty="0"/>
-              <a:t>📅 Data Coverage</a:t>
-            </a:r>
-            <a:endParaRPr lang="en-AU" sz="2000" dirty="0"/>
-          </a:p>
-          <a:p>
-            <a:pPr lvl="1"/>
-            <a:r>
-              <a:rPr lang="en-AU" sz="1800" dirty="0"/>
-              <a:t>Ensure </a:t>
-            </a:r>
-            <a:r>
-              <a:rPr lang="en-AU" sz="1800" b="1" dirty="0"/>
-              <a:t>complete aggregation</a:t>
-            </a:r>
-            <a:r>
-              <a:rPr lang="en-AU" sz="1800" dirty="0"/>
-              <a:t> of 2022–2023 data with all 12 months.</a:t>
-            </a:r>
-          </a:p>
-          <a:p>
-            <a:pPr marL="0" indent="0">
-              <a:buNone/>
-            </a:pPr>
-            <a:r>
-              <a:rPr lang="en-AU" sz="2000" b="1" dirty="0"/>
-              <a:t>👥 Demographic Insights</a:t>
-            </a:r>
-            <a:endParaRPr lang="en-AU" sz="2000" dirty="0"/>
-          </a:p>
-          <a:p>
-            <a:pPr lvl="1"/>
-            <a:r>
-              <a:rPr lang="en-AU" sz="1800" dirty="0"/>
-              <a:t>Add </a:t>
-            </a:r>
-            <a:r>
-              <a:rPr lang="en-AU" sz="1800" b="1" dirty="0"/>
-              <a:t>gender, age group, and region</a:t>
-            </a:r>
-            <a:r>
-              <a:rPr lang="en-AU" sz="1800" dirty="0"/>
-              <a:t> columns for deeper trend analysis.</a:t>
-            </a:r>
-          </a:p>
-          <a:p>
-            <a:pPr marL="0" indent="0">
-              <a:buNone/>
-            </a:pPr>
-            <a:r>
-              <a:rPr lang="en-AU" sz="2000" b="1" dirty="0"/>
-              <a:t>📈 Data Volume &amp; Balance</a:t>
-            </a:r>
-            <a:endParaRPr lang="en-AU" sz="2000" dirty="0"/>
-          </a:p>
-          <a:p>
-            <a:pPr lvl="1"/>
-            <a:r>
-              <a:rPr lang="en-AU" sz="1800" dirty="0"/>
-              <a:t>Aim for </a:t>
-            </a:r>
-            <a:r>
-              <a:rPr lang="en-AU" sz="1800" b="1" dirty="0"/>
-              <a:t>30K+ records</a:t>
-            </a:r>
-            <a:r>
-              <a:rPr lang="en-AU" sz="1800" dirty="0"/>
-              <a:t> to strengthen analysis accuracy.</a:t>
-            </a:r>
-          </a:p>
-          <a:p>
-            <a:pPr lvl="1"/>
-            <a:r>
-              <a:rPr lang="en-AU" sz="1800" b="1" dirty="0"/>
-              <a:t>Balance dataset</a:t>
-            </a:r>
-            <a:r>
-              <a:rPr lang="en-AU" sz="1800" dirty="0"/>
-              <a:t> by reducing skew and handling outliers.</a:t>
-            </a:r>
-          </a:p>
-          <a:p>
-            <a:pPr marL="0" indent="0">
-              <a:buNone/>
-            </a:pPr>
-            <a:r>
-              <a:rPr lang="en-AU" sz="2000" b="1" dirty="0"/>
-              <a:t>🌍 External Context</a:t>
-            </a:r>
-            <a:endParaRPr lang="en-AU" sz="2000" dirty="0"/>
-          </a:p>
-          <a:p>
-            <a:pPr lvl="1"/>
-            <a:r>
-              <a:rPr lang="en-AU" sz="1800" dirty="0"/>
-              <a:t>Include analysis of </a:t>
-            </a:r>
-            <a:r>
-              <a:rPr lang="en-AU" sz="1800" b="1" dirty="0"/>
-              <a:t>political, social, or policy impacts</a:t>
-            </a:r>
-            <a:r>
-              <a:rPr lang="en-AU" sz="1800" dirty="0"/>
-              <a:t> to understand external factors influencing trends.</a:t>
-            </a:r>
-          </a:p>
-          <a:p>
-            <a:pPr marL="0" indent="0">
-              <a:buNone/>
-            </a:pPr>
-            <a:endParaRPr lang="en-US" sz="2000" dirty="0"/>
+              <a:rPr lang="en-US" sz="2000" b="1" dirty="0"/>
+              <a:t>Recommendations Agenda:</a:t>
+            </a:r>
           </a:p>
           <a:p>
             <a:pPr marL="342900" indent="-342900">
               <a:buFont typeface="+mj-lt"/>
               <a:buAutoNum type="arabicPeriod"/>
             </a:pPr>
+            <a:r>
+              <a:rPr lang="en-US" sz="2000" dirty="0"/>
+              <a:t>Improve Dataset Quality and Analysis</a:t>
+            </a:r>
+          </a:p>
+          <a:p>
+            <a:pPr marL="342900" indent="-342900">
+              <a:buFont typeface="+mj-lt"/>
+              <a:buAutoNum type="arabicPeriod"/>
+            </a:pPr>
+            <a:r>
+              <a:rPr lang="en-AU" sz="2000" dirty="0"/>
+              <a:t>🔑 </a:t>
+            </a:r>
+            <a:r>
+              <a:rPr lang="en-US" sz="2000" dirty="0"/>
+              <a:t>Stakeholders Action Plan:</a:t>
+            </a:r>
+          </a:p>
+          <a:p>
+            <a:pPr lvl="1"/>
+            <a:r>
+              <a:rPr lang="en-US" sz="2000" dirty="0"/>
+              <a:t>Public US Health Agencies</a:t>
+            </a:r>
+          </a:p>
+          <a:p>
+            <a:pPr lvl="1"/>
+            <a:r>
+              <a:rPr lang="en-AU" sz="2000" dirty="0"/>
+              <a:t>Pharmaceutical Companies</a:t>
+            </a:r>
             <a:endParaRPr lang="en-US" sz="2000" dirty="0"/>
           </a:p>
           <a:p>
+            <a:pPr lvl="1"/>
+            <a:r>
+              <a:rPr lang="en-AU" sz="2000" dirty="0"/>
+              <a:t>Addiction &amp; Mental Health Services</a:t>
+            </a:r>
+            <a:endParaRPr lang="en-US" sz="2000" dirty="0"/>
+          </a:p>
+          <a:p>
+            <a:pPr marL="342900" indent="-342900">
+              <a:buFont typeface="+mj-lt"/>
+              <a:buAutoNum type="arabicPeriod"/>
+            </a:pPr>
+            <a:endParaRPr lang="en-US" dirty="0"/>
+          </a:p>
+          <a:p>
             <a:pPr marL="0" indent="0">
               <a:buNone/>
             </a:pPr>
@@ -11545,7 +11285,7 @@
           <p:cNvPr id="4" name="Star: 5 Points 3">
             <a:extLst>
               <a:ext uri="{FF2B5EF4-FFF2-40B4-BE49-F238E27FC236}">
-                <a16:creationId xmlns:a16="http://schemas.microsoft.com/office/drawing/2014/main" id="{E203E612-7696-5D86-777D-D5B8D0B1A79C}"/>
+                <a16:creationId xmlns:a16="http://schemas.microsoft.com/office/drawing/2014/main" id="{6BD2213B-8297-9BB0-7914-D3E19FD992A8}"/>
               </a:ext>
             </a:extLst>
           </p:cNvPr>
@@ -11597,6 +11337,371 @@
           <p:cNvPr id="5" name="Picture 4" descr="A clipboard with check marks and a tick&#10;&#10;AI-generated content may be incorrect.">
             <a:extLst>
               <a:ext uri="{FF2B5EF4-FFF2-40B4-BE49-F238E27FC236}">
+                <a16:creationId xmlns:a16="http://schemas.microsoft.com/office/drawing/2014/main" id="{0ABC1833-DAC1-3F27-8F18-F72F6577B696}"/>
+              </a:ext>
+            </a:extLst>
+          </p:cNvPr>
+          <p:cNvPicPr>
+            <a:picLocks noChangeAspect="1"/>
+          </p:cNvPicPr>
+          <p:nvPr/>
+        </p:nvPicPr>
+        <p:blipFill>
+          <a:blip r:embed="rId2">
+            <a:extLst>
+              <a:ext uri="{28A0092B-C50C-407E-A947-70E740481C1C}">
+                <a14:useLocalDpi xmlns:a14="http://schemas.microsoft.com/office/drawing/2010/main" val="0"/>
+              </a:ext>
+            </a:extLst>
+          </a:blip>
+          <a:stretch>
+            <a:fillRect/>
+          </a:stretch>
+        </p:blipFill>
+        <p:spPr>
+          <a:xfrm>
+            <a:off x="5721927" y="978408"/>
+            <a:ext cx="748146" cy="748146"/>
+          </a:xfrm>
+          <a:prstGeom prst="rect">
+            <a:avLst/>
+          </a:prstGeom>
+        </p:spPr>
+      </p:pic>
+      <p:pic>
+        <p:nvPicPr>
+          <p:cNvPr id="9" name="Picture 8" descr="A collage of a person with long hair and a scarf&#10;&#10;AI-generated content may be incorrect.">
+            <a:extLst>
+              <a:ext uri="{FF2B5EF4-FFF2-40B4-BE49-F238E27FC236}">
+                <a16:creationId xmlns:a16="http://schemas.microsoft.com/office/drawing/2014/main" id="{86C21FDD-CC95-6AD7-B1FE-128799C05E91}"/>
+              </a:ext>
+            </a:extLst>
+          </p:cNvPr>
+          <p:cNvPicPr>
+            <a:picLocks noChangeAspect="1"/>
+          </p:cNvPicPr>
+          <p:nvPr/>
+        </p:nvPicPr>
+        <p:blipFill>
+          <a:blip r:embed="rId3">
+            <a:extLst>
+              <a:ext uri="{28A0092B-C50C-407E-A947-70E740481C1C}">
+                <a14:useLocalDpi xmlns:a14="http://schemas.microsoft.com/office/drawing/2010/main" val="0"/>
+              </a:ext>
+            </a:extLst>
+          </a:blip>
+          <a:stretch>
+            <a:fillRect/>
+          </a:stretch>
+        </p:blipFill>
+        <p:spPr>
+          <a:xfrm>
+            <a:off x="7943920" y="1726554"/>
+            <a:ext cx="3726872" cy="4192731"/>
+          </a:xfrm>
+          <a:prstGeom prst="rect">
+            <a:avLst/>
+          </a:prstGeom>
+        </p:spPr>
+      </p:pic>
+    </p:spTree>
+    <p:extLst>
+      <p:ext uri="{BB962C8B-B14F-4D97-AF65-F5344CB8AC3E}">
+        <p14:creationId xmlns:p14="http://schemas.microsoft.com/office/powerpoint/2010/main" val="3801490158"/>
+      </p:ext>
+    </p:extLst>
+  </p:cSld>
+  <p:clrMapOvr>
+    <a:masterClrMapping/>
+  </p:clrMapOvr>
+</p:sld>
+</file>
+
+<file path=ppt/slides/slide23.xml><?xml version="1.0" encoding="utf-8"?>
+<p:sld xmlns:a="http://schemas.openxmlformats.org/drawingml/2006/main" xmlns:r="http://schemas.openxmlformats.org/officeDocument/2006/relationships" xmlns:p="http://schemas.openxmlformats.org/presentationml/2006/main">
+  <p:cSld>
+    <p:spTree>
+      <p:nvGrpSpPr>
+        <p:cNvPr id="1" name="">
+          <a:extLst>
+            <a:ext uri="{FF2B5EF4-FFF2-40B4-BE49-F238E27FC236}">
+              <a16:creationId xmlns:a16="http://schemas.microsoft.com/office/drawing/2014/main" id="{6C7DF420-8C96-4874-E3AA-38FF081E58E7}"/>
+            </a:ext>
+          </a:extLst>
+        </p:cNvPr>
+        <p:cNvGrpSpPr/>
+        <p:nvPr/>
+      </p:nvGrpSpPr>
+      <p:grpSpPr>
+        <a:xfrm>
+          <a:off x="0" y="0"/>
+          <a:ext cx="0" cy="0"/>
+          <a:chOff x="0" y="0"/>
+          <a:chExt cx="0" cy="0"/>
+        </a:xfrm>
+      </p:grpSpPr>
+      <p:sp>
+        <p:nvSpPr>
+          <p:cNvPr id="2" name="Title 1">
+            <a:extLst>
+              <a:ext uri="{FF2B5EF4-FFF2-40B4-BE49-F238E27FC236}">
+                <a16:creationId xmlns:a16="http://schemas.microsoft.com/office/drawing/2014/main" id="{760D8385-13EF-F2EF-13F7-9CEB533F7E2F}"/>
+              </a:ext>
+            </a:extLst>
+          </p:cNvPr>
+          <p:cNvSpPr>
+            <a:spLocks noGrp="1"/>
+          </p:cNvSpPr>
+          <p:nvPr>
+            <p:ph type="title"/>
+          </p:nvPr>
+        </p:nvSpPr>
+        <p:spPr/>
+        <p:txBody>
+          <a:bodyPr/>
+          <a:lstStyle/>
+          <a:p>
+            <a:r>
+              <a:rPr lang="en-US" dirty="0">
+                <a:solidFill>
+                  <a:srgbClr val="7030A0"/>
+                </a:solidFill>
+              </a:rPr>
+              <a:t>Recommendations</a:t>
+            </a:r>
+            <a:endParaRPr lang="en-AU" dirty="0">
+              <a:solidFill>
+                <a:srgbClr val="7030A0"/>
+              </a:solidFill>
+            </a:endParaRPr>
+          </a:p>
+        </p:txBody>
+      </p:sp>
+      <p:sp>
+        <p:nvSpPr>
+          <p:cNvPr id="3" name="Content Placeholder 2">
+            <a:extLst>
+              <a:ext uri="{FF2B5EF4-FFF2-40B4-BE49-F238E27FC236}">
+                <a16:creationId xmlns:a16="http://schemas.microsoft.com/office/drawing/2014/main" id="{AA9A8D9F-C61F-8C32-7649-D2A0A1A48C7F}"/>
+              </a:ext>
+            </a:extLst>
+          </p:cNvPr>
+          <p:cNvSpPr>
+            <a:spLocks noGrp="1"/>
+          </p:cNvSpPr>
+          <p:nvPr>
+            <p:ph idx="1"/>
+          </p:nvPr>
+        </p:nvSpPr>
+        <p:spPr>
+          <a:xfrm>
+            <a:off x="335280" y="1899734"/>
+            <a:ext cx="11521440" cy="4695029"/>
+          </a:xfrm>
+        </p:spPr>
+        <p:txBody>
+          <a:bodyPr>
+            <a:normAutofit/>
+          </a:bodyPr>
+          <a:lstStyle/>
+          <a:p>
+            <a:pPr marL="0" indent="0" algn="ctr">
+              <a:buNone/>
+            </a:pPr>
+            <a:r>
+              <a:rPr lang="en-US" sz="2400" b="1" u="sng" dirty="0"/>
+              <a:t>1. Recommendations for Improving Dataset Quality and Analysis:</a:t>
+            </a:r>
+          </a:p>
+          <a:p>
+            <a:pPr marL="0" indent="0">
+              <a:buNone/>
+            </a:pPr>
+            <a:r>
+              <a:rPr lang="en-AU" sz="2000" b="1" dirty="0"/>
+              <a:t>📅 Data Coverage</a:t>
+            </a:r>
+            <a:endParaRPr lang="en-AU" sz="2000" dirty="0"/>
+          </a:p>
+          <a:p>
+            <a:pPr lvl="1"/>
+            <a:r>
+              <a:rPr lang="en-AU" sz="1800" dirty="0"/>
+              <a:t>Ensure </a:t>
+            </a:r>
+            <a:r>
+              <a:rPr lang="en-AU" sz="1800" b="1" dirty="0"/>
+              <a:t>complete aggregation</a:t>
+            </a:r>
+            <a:r>
+              <a:rPr lang="en-AU" sz="1800" dirty="0"/>
+              <a:t> of 2022–2023 data with all 12 months.</a:t>
+            </a:r>
+          </a:p>
+          <a:p>
+            <a:pPr marL="0" indent="0">
+              <a:buNone/>
+            </a:pPr>
+            <a:r>
+              <a:rPr lang="en-AU" sz="2000" b="1" dirty="0"/>
+              <a:t>👥 Demographic Insights</a:t>
+            </a:r>
+            <a:endParaRPr lang="en-AU" sz="2000" dirty="0"/>
+          </a:p>
+          <a:p>
+            <a:pPr lvl="1"/>
+            <a:r>
+              <a:rPr lang="en-AU" sz="1800" dirty="0"/>
+              <a:t>Add </a:t>
+            </a:r>
+            <a:r>
+              <a:rPr lang="en-AU" sz="1800" b="1" dirty="0"/>
+              <a:t>gender, age group, and region</a:t>
+            </a:r>
+            <a:r>
+              <a:rPr lang="en-AU" sz="1800" dirty="0"/>
+              <a:t> columns for deeper trend analysis.</a:t>
+            </a:r>
+          </a:p>
+          <a:p>
+            <a:pPr marL="0" indent="0">
+              <a:buNone/>
+            </a:pPr>
+            <a:r>
+              <a:rPr lang="en-AU" sz="2000" b="1" dirty="0"/>
+              <a:t>📈 Data Volume &amp; Balance</a:t>
+            </a:r>
+            <a:endParaRPr lang="en-AU" sz="2000" dirty="0"/>
+          </a:p>
+          <a:p>
+            <a:pPr lvl="1"/>
+            <a:r>
+              <a:rPr lang="en-AU" sz="1800" dirty="0"/>
+              <a:t>Aim for </a:t>
+            </a:r>
+            <a:r>
+              <a:rPr lang="en-AU" sz="1800" b="1" dirty="0"/>
+              <a:t>30K+ records</a:t>
+            </a:r>
+            <a:r>
+              <a:rPr lang="en-AU" sz="1800" dirty="0"/>
+              <a:t> to strengthen analysis accuracy.</a:t>
+            </a:r>
+          </a:p>
+          <a:p>
+            <a:pPr lvl="1"/>
+            <a:r>
+              <a:rPr lang="en-AU" sz="1800" b="1" dirty="0"/>
+              <a:t>Balance dataset</a:t>
+            </a:r>
+            <a:r>
+              <a:rPr lang="en-AU" sz="1800" dirty="0"/>
+              <a:t> by reducing skew and handling outliers.</a:t>
+            </a:r>
+          </a:p>
+          <a:p>
+            <a:pPr marL="0" indent="0">
+              <a:buNone/>
+            </a:pPr>
+            <a:r>
+              <a:rPr lang="en-AU" sz="2000" b="1" dirty="0"/>
+              <a:t>🌍 External Context</a:t>
+            </a:r>
+            <a:endParaRPr lang="en-AU" sz="2000" dirty="0"/>
+          </a:p>
+          <a:p>
+            <a:pPr lvl="1"/>
+            <a:r>
+              <a:rPr lang="en-AU" sz="1800" dirty="0"/>
+              <a:t>Include analysis of </a:t>
+            </a:r>
+            <a:r>
+              <a:rPr lang="en-AU" sz="1800" b="1" dirty="0"/>
+              <a:t>political, social, or policy impacts</a:t>
+            </a:r>
+            <a:r>
+              <a:rPr lang="en-AU" sz="1800" dirty="0"/>
+              <a:t> to understand external factors influencing trends.</a:t>
+            </a:r>
+          </a:p>
+          <a:p>
+            <a:pPr marL="0" indent="0">
+              <a:buNone/>
+            </a:pPr>
+            <a:endParaRPr lang="en-US" sz="2000" dirty="0"/>
+          </a:p>
+          <a:p>
+            <a:pPr marL="342900" indent="-342900">
+              <a:buFont typeface="+mj-lt"/>
+              <a:buAutoNum type="arabicPeriod"/>
+            </a:pPr>
+            <a:endParaRPr lang="en-US" sz="2000" dirty="0"/>
+          </a:p>
+          <a:p>
+            <a:pPr marL="0" indent="0">
+              <a:buNone/>
+            </a:pPr>
+            <a:endParaRPr lang="en-AU" sz="2000" dirty="0"/>
+          </a:p>
+        </p:txBody>
+      </p:sp>
+      <p:sp>
+        <p:nvSpPr>
+          <p:cNvPr id="4" name="Star: 5 Points 3">
+            <a:extLst>
+              <a:ext uri="{FF2B5EF4-FFF2-40B4-BE49-F238E27FC236}">
+                <a16:creationId xmlns:a16="http://schemas.microsoft.com/office/drawing/2014/main" id="{E203E612-7696-5D86-777D-D5B8D0B1A79C}"/>
+              </a:ext>
+            </a:extLst>
+          </p:cNvPr>
+          <p:cNvSpPr/>
+          <p:nvPr/>
+        </p:nvSpPr>
+        <p:spPr>
+          <a:xfrm>
+            <a:off x="10922647" y="978408"/>
+            <a:ext cx="748145" cy="578425"/>
+          </a:xfrm>
+          <a:prstGeom prst="star5">
+            <a:avLst/>
+          </a:prstGeom>
+          <a:solidFill>
+            <a:srgbClr val="7030A0"/>
+          </a:solidFill>
+        </p:spPr>
+        <p:style>
+          <a:lnRef idx="2">
+            <a:schemeClr val="accent1">
+              <a:shade val="15000"/>
+            </a:schemeClr>
+          </a:lnRef>
+          <a:fillRef idx="1">
+            <a:schemeClr val="accent1"/>
+          </a:fillRef>
+          <a:effectRef idx="0">
+            <a:schemeClr val="accent1"/>
+          </a:effectRef>
+          <a:fontRef idx="minor">
+            <a:schemeClr val="lt1"/>
+          </a:fontRef>
+        </p:style>
+        <p:txBody>
+          <a:bodyPr rtlCol="0" anchor="ctr"/>
+          <a:lstStyle/>
+          <a:p>
+            <a:pPr algn="ctr"/>
+            <a:r>
+              <a:rPr lang="en-US" b="1" dirty="0"/>
+              <a:t>3</a:t>
+            </a:r>
+          </a:p>
+        </p:txBody>
+      </p:sp>
+      <p:pic>
+        <p:nvPicPr>
+          <p:cNvPr id="5" name="Picture 4" descr="A clipboard with check marks and a tick&#10;&#10;AI-generated content may be incorrect.">
+            <a:extLst>
+              <a:ext uri="{FF2B5EF4-FFF2-40B4-BE49-F238E27FC236}">
                 <a16:creationId xmlns:a16="http://schemas.microsoft.com/office/drawing/2014/main" id="{3942AF50-08A1-966C-274D-FC90142DD32C}"/>
               </a:ext>
             </a:extLst>
@@ -11641,7 +11746,1305 @@
 </p:sld>
 </file>
 
-<file path=ppt/slides/slide23.xml><?xml version="1.0" encoding="utf-8"?>
+<file path=ppt/slides/slide24.xml><?xml version="1.0" encoding="utf-8"?>
+<p:sld xmlns:a="http://schemas.openxmlformats.org/drawingml/2006/main" xmlns:r="http://schemas.openxmlformats.org/officeDocument/2006/relationships" xmlns:p="http://schemas.openxmlformats.org/presentationml/2006/main">
+  <p:cSld>
+    <p:spTree>
+      <p:nvGrpSpPr>
+        <p:cNvPr id="1" name="">
+          <a:extLst>
+            <a:ext uri="{FF2B5EF4-FFF2-40B4-BE49-F238E27FC236}">
+              <a16:creationId xmlns:a16="http://schemas.microsoft.com/office/drawing/2014/main" id="{00C7D442-7DED-206C-0E6B-D468674530D6}"/>
+            </a:ext>
+          </a:extLst>
+        </p:cNvPr>
+        <p:cNvGrpSpPr/>
+        <p:nvPr/>
+      </p:nvGrpSpPr>
+      <p:grpSpPr>
+        <a:xfrm>
+          <a:off x="0" y="0"/>
+          <a:ext cx="0" cy="0"/>
+          <a:chOff x="0" y="0"/>
+          <a:chExt cx="0" cy="0"/>
+        </a:xfrm>
+      </p:grpSpPr>
+      <p:sp>
+        <p:nvSpPr>
+          <p:cNvPr id="2" name="Title 1">
+            <a:extLst>
+              <a:ext uri="{FF2B5EF4-FFF2-40B4-BE49-F238E27FC236}">
+                <a16:creationId xmlns:a16="http://schemas.microsoft.com/office/drawing/2014/main" id="{6F6F6095-0C68-BE42-B731-1C28FB509206}"/>
+              </a:ext>
+            </a:extLst>
+          </p:cNvPr>
+          <p:cNvSpPr>
+            <a:spLocks noGrp="1"/>
+          </p:cNvSpPr>
+          <p:nvPr>
+            <p:ph type="title"/>
+          </p:nvPr>
+        </p:nvSpPr>
+        <p:spPr/>
+        <p:txBody>
+          <a:bodyPr/>
+          <a:lstStyle/>
+          <a:p>
+            <a:r>
+              <a:rPr lang="en-US" dirty="0">
+                <a:solidFill>
+                  <a:srgbClr val="7030A0"/>
+                </a:solidFill>
+              </a:rPr>
+              <a:t>Recommendations</a:t>
+            </a:r>
+            <a:endParaRPr lang="en-AU" dirty="0">
+              <a:solidFill>
+                <a:srgbClr val="7030A0"/>
+              </a:solidFill>
+            </a:endParaRPr>
+          </a:p>
+        </p:txBody>
+      </p:sp>
+      <p:sp>
+        <p:nvSpPr>
+          <p:cNvPr id="4" name="Star: 5 Points 3">
+            <a:extLst>
+              <a:ext uri="{FF2B5EF4-FFF2-40B4-BE49-F238E27FC236}">
+                <a16:creationId xmlns:a16="http://schemas.microsoft.com/office/drawing/2014/main" id="{41D3A37B-D4FD-A747-30D3-681ED46A885B}"/>
+              </a:ext>
+            </a:extLst>
+          </p:cNvPr>
+          <p:cNvSpPr/>
+          <p:nvPr/>
+        </p:nvSpPr>
+        <p:spPr>
+          <a:xfrm>
+            <a:off x="10922647" y="978408"/>
+            <a:ext cx="748145" cy="578425"/>
+          </a:xfrm>
+          <a:prstGeom prst="star5">
+            <a:avLst/>
+          </a:prstGeom>
+          <a:solidFill>
+            <a:srgbClr val="7030A0"/>
+          </a:solidFill>
+        </p:spPr>
+        <p:style>
+          <a:lnRef idx="2">
+            <a:schemeClr val="accent1">
+              <a:shade val="15000"/>
+            </a:schemeClr>
+          </a:lnRef>
+          <a:fillRef idx="1">
+            <a:schemeClr val="accent1"/>
+          </a:fillRef>
+          <a:effectRef idx="0">
+            <a:schemeClr val="accent1"/>
+          </a:effectRef>
+          <a:fontRef idx="minor">
+            <a:schemeClr val="lt1"/>
+          </a:fontRef>
+        </p:style>
+        <p:txBody>
+          <a:bodyPr rtlCol="0" anchor="ctr"/>
+          <a:lstStyle/>
+          <a:p>
+            <a:pPr algn="ctr"/>
+            <a:r>
+              <a:rPr lang="en-US" b="1" dirty="0"/>
+              <a:t>3</a:t>
+            </a:r>
+          </a:p>
+        </p:txBody>
+      </p:sp>
+      <p:pic>
+        <p:nvPicPr>
+          <p:cNvPr id="5" name="Picture 4" descr="A clipboard with check marks and a tick&#10;&#10;AI-generated content may be incorrect.">
+            <a:extLst>
+              <a:ext uri="{FF2B5EF4-FFF2-40B4-BE49-F238E27FC236}">
+                <a16:creationId xmlns:a16="http://schemas.microsoft.com/office/drawing/2014/main" id="{6185FFD4-D4E8-F37B-3B43-2AB83E9BFD89}"/>
+              </a:ext>
+            </a:extLst>
+          </p:cNvPr>
+          <p:cNvPicPr>
+            <a:picLocks noChangeAspect="1"/>
+          </p:cNvPicPr>
+          <p:nvPr/>
+        </p:nvPicPr>
+        <p:blipFill>
+          <a:blip r:embed="rId2">
+            <a:extLst>
+              <a:ext uri="{28A0092B-C50C-407E-A947-70E740481C1C}">
+                <a14:useLocalDpi xmlns:a14="http://schemas.microsoft.com/office/drawing/2010/main" val="0"/>
+              </a:ext>
+            </a:extLst>
+          </a:blip>
+          <a:stretch>
+            <a:fillRect/>
+          </a:stretch>
+        </p:blipFill>
+        <p:spPr>
+          <a:xfrm>
+            <a:off x="5721927" y="978408"/>
+            <a:ext cx="748146" cy="748146"/>
+          </a:xfrm>
+          <a:prstGeom prst="rect">
+            <a:avLst/>
+          </a:prstGeom>
+        </p:spPr>
+      </p:pic>
+      <p:sp>
+        <p:nvSpPr>
+          <p:cNvPr id="9" name="TextBox 8">
+            <a:extLst>
+              <a:ext uri="{FF2B5EF4-FFF2-40B4-BE49-F238E27FC236}">
+                <a16:creationId xmlns:a16="http://schemas.microsoft.com/office/drawing/2014/main" id="{E46DCE88-AC16-F073-898F-05292FCED45E}"/>
+              </a:ext>
+            </a:extLst>
+          </p:cNvPr>
+          <p:cNvSpPr txBox="1"/>
+          <p:nvPr/>
+        </p:nvSpPr>
+        <p:spPr>
+          <a:xfrm>
+            <a:off x="6200701" y="2769948"/>
+            <a:ext cx="5818909" cy="3385542"/>
+          </a:xfrm>
+          <a:prstGeom prst="rect">
+            <a:avLst/>
+          </a:prstGeom>
+          <a:noFill/>
+        </p:spPr>
+        <p:txBody>
+          <a:bodyPr wrap="square">
+            <a:spAutoFit/>
+          </a:bodyPr>
+          <a:lstStyle/>
+          <a:p>
+            <a:pPr algn="ctr"/>
+            <a:r>
+              <a:rPr lang="en-AU" sz="4000" dirty="0"/>
+              <a:t>🔑 </a:t>
+            </a:r>
+            <a:r>
+              <a:rPr lang="en-AU" sz="4000" b="1" dirty="0"/>
+              <a:t>2. </a:t>
+            </a:r>
+            <a:r>
+              <a:rPr lang="en-US" sz="4000" b="1" dirty="0"/>
+              <a:t>Key Question:</a:t>
+            </a:r>
+            <a:r>
+              <a:rPr lang="en-US" sz="4000" dirty="0"/>
+              <a:t> What actions should stakeholders take next*?</a:t>
+            </a:r>
+          </a:p>
+          <a:p>
+            <a:pPr algn="ctr"/>
+            <a:endParaRPr lang="en-US" sz="4000" dirty="0"/>
+          </a:p>
+          <a:p>
+            <a:pPr algn="ctr"/>
+            <a:r>
+              <a:rPr lang="en-AU" sz="1600" dirty="0"/>
+              <a:t>*</a:t>
+            </a:r>
+            <a:r>
+              <a:rPr lang="en-US" sz="1600" dirty="0"/>
+              <a:t>Note: This is a high-level, generalized objective to guide decision-making, as domain-specific stakeholder details are limited at this stage.</a:t>
+            </a:r>
+            <a:endParaRPr lang="en-AU" sz="1600" dirty="0"/>
+          </a:p>
+        </p:txBody>
+      </p:sp>
+      <p:pic>
+        <p:nvPicPr>
+          <p:cNvPr id="11" name="Picture 10" descr="An old person looking at a computer&#10;&#10;AI-generated content may be incorrect.">
+            <a:extLst>
+              <a:ext uri="{FF2B5EF4-FFF2-40B4-BE49-F238E27FC236}">
+                <a16:creationId xmlns:a16="http://schemas.microsoft.com/office/drawing/2014/main" id="{6079C95E-4677-7952-123A-41249FD15F5E}"/>
+              </a:ext>
+            </a:extLst>
+          </p:cNvPr>
+          <p:cNvPicPr>
+            <a:picLocks noChangeAspect="1"/>
+          </p:cNvPicPr>
+          <p:nvPr/>
+        </p:nvPicPr>
+        <p:blipFill>
+          <a:blip r:embed="rId3">
+            <a:extLst>
+              <a:ext uri="{28A0092B-C50C-407E-A947-70E740481C1C}">
+                <a14:useLocalDpi xmlns:a14="http://schemas.microsoft.com/office/drawing/2010/main" val="0"/>
+              </a:ext>
+            </a:extLst>
+          </a:blip>
+          <a:stretch>
+            <a:fillRect/>
+          </a:stretch>
+        </p:blipFill>
+        <p:spPr>
+          <a:xfrm>
+            <a:off x="894449" y="2036652"/>
+            <a:ext cx="5306252" cy="3979689"/>
+          </a:xfrm>
+          <a:prstGeom prst="rect">
+            <a:avLst/>
+          </a:prstGeom>
+        </p:spPr>
+      </p:pic>
+    </p:spTree>
+    <p:extLst>
+      <p:ext uri="{BB962C8B-B14F-4D97-AF65-F5344CB8AC3E}">
+        <p14:creationId xmlns:p14="http://schemas.microsoft.com/office/powerpoint/2010/main" val="3813333372"/>
+      </p:ext>
+    </p:extLst>
+  </p:cSld>
+  <p:clrMapOvr>
+    <a:masterClrMapping/>
+  </p:clrMapOvr>
+</p:sld>
+</file>
+
+<file path=ppt/slides/slide25.xml><?xml version="1.0" encoding="utf-8"?>
+<p:sld xmlns:a="http://schemas.openxmlformats.org/drawingml/2006/main" xmlns:r="http://schemas.openxmlformats.org/officeDocument/2006/relationships" xmlns:p="http://schemas.openxmlformats.org/presentationml/2006/main">
+  <p:cSld>
+    <p:spTree>
+      <p:nvGrpSpPr>
+        <p:cNvPr id="1" name="">
+          <a:extLst>
+            <a:ext uri="{FF2B5EF4-FFF2-40B4-BE49-F238E27FC236}">
+              <a16:creationId xmlns:a16="http://schemas.microsoft.com/office/drawing/2014/main" id="{5F9CC642-15D9-6128-45F0-6CC4195735D3}"/>
+            </a:ext>
+          </a:extLst>
+        </p:cNvPr>
+        <p:cNvGrpSpPr/>
+        <p:nvPr/>
+      </p:nvGrpSpPr>
+      <p:grpSpPr>
+        <a:xfrm>
+          <a:off x="0" y="0"/>
+          <a:ext cx="0" cy="0"/>
+          <a:chOff x="0" y="0"/>
+          <a:chExt cx="0" cy="0"/>
+        </a:xfrm>
+      </p:grpSpPr>
+      <p:sp>
+        <p:nvSpPr>
+          <p:cNvPr id="2" name="Title 1">
+            <a:extLst>
+              <a:ext uri="{FF2B5EF4-FFF2-40B4-BE49-F238E27FC236}">
+                <a16:creationId xmlns:a16="http://schemas.microsoft.com/office/drawing/2014/main" id="{D24A007A-21CE-AFDD-F86D-ED0DEA19CA45}"/>
+              </a:ext>
+            </a:extLst>
+          </p:cNvPr>
+          <p:cNvSpPr>
+            <a:spLocks noGrp="1"/>
+          </p:cNvSpPr>
+          <p:nvPr>
+            <p:ph type="title"/>
+          </p:nvPr>
+        </p:nvSpPr>
+        <p:spPr/>
+        <p:txBody>
+          <a:bodyPr/>
+          <a:lstStyle/>
+          <a:p>
+            <a:r>
+              <a:rPr lang="en-US" dirty="0">
+                <a:solidFill>
+                  <a:srgbClr val="7030A0"/>
+                </a:solidFill>
+              </a:rPr>
+              <a:t>Recommendations</a:t>
+            </a:r>
+            <a:endParaRPr lang="en-AU" dirty="0">
+              <a:solidFill>
+                <a:srgbClr val="7030A0"/>
+              </a:solidFill>
+            </a:endParaRPr>
+          </a:p>
+        </p:txBody>
+      </p:sp>
+      <p:sp>
+        <p:nvSpPr>
+          <p:cNvPr id="3" name="Content Placeholder 2">
+            <a:extLst>
+              <a:ext uri="{FF2B5EF4-FFF2-40B4-BE49-F238E27FC236}">
+                <a16:creationId xmlns:a16="http://schemas.microsoft.com/office/drawing/2014/main" id="{5F855E40-437A-19AC-4F6B-41857A5AC0AC}"/>
+              </a:ext>
+            </a:extLst>
+          </p:cNvPr>
+          <p:cNvSpPr>
+            <a:spLocks noGrp="1"/>
+          </p:cNvSpPr>
+          <p:nvPr>
+            <p:ph idx="1"/>
+          </p:nvPr>
+        </p:nvSpPr>
+        <p:spPr>
+          <a:xfrm>
+            <a:off x="335280" y="1899734"/>
+            <a:ext cx="8393084" cy="4695029"/>
+          </a:xfrm>
+        </p:spPr>
+        <p:txBody>
+          <a:bodyPr>
+            <a:normAutofit/>
+          </a:bodyPr>
+          <a:lstStyle/>
+          <a:p>
+            <a:pPr marL="0" indent="0">
+              <a:buNone/>
+            </a:pPr>
+            <a:r>
+              <a:rPr lang="en-US" sz="2400" b="1" u="sng" dirty="0"/>
+              <a:t>2. Stakeholders Action Plan</a:t>
+            </a:r>
+            <a:endParaRPr lang="en-US" sz="2000" dirty="0"/>
+          </a:p>
+          <a:p>
+            <a:pPr marL="0" indent="0">
+              <a:buNone/>
+            </a:pPr>
+            <a:r>
+              <a:rPr lang="en-US" sz="2000" b="1" dirty="0"/>
+              <a:t>Public US Health Agencies</a:t>
+            </a:r>
+            <a:r>
+              <a:rPr lang="en-US" sz="2000" dirty="0"/>
+              <a:t> (e.g., CDC, WHO): </a:t>
+            </a:r>
+          </a:p>
+          <a:p>
+            <a:pPr marL="0" indent="0" algn="ctr">
+              <a:buNone/>
+            </a:pPr>
+            <a:r>
+              <a:rPr lang="en-US" sz="2000" b="1" u="sng" dirty="0"/>
+              <a:t>Centers for Disease Control and Prevention (CDC): </a:t>
+            </a:r>
+          </a:p>
+          <a:p>
+            <a:pPr marL="0" indent="0" algn="ctr">
+              <a:buNone/>
+            </a:pPr>
+            <a:r>
+              <a:rPr lang="en-US" sz="2000" dirty="0"/>
+              <a:t>Highlight the Midwest and West regions’ upward trends in 2021 and implement a robust monitoring system to detect and respond to future spikes early.</a:t>
+            </a:r>
+          </a:p>
+          <a:p>
+            <a:pPr marL="0" indent="0" algn="ctr">
+              <a:buNone/>
+            </a:pPr>
+            <a:endParaRPr lang="en-US" sz="2000" dirty="0"/>
+          </a:p>
+          <a:p>
+            <a:pPr marL="0" indent="0" algn="ctr">
+              <a:buNone/>
+            </a:pPr>
+            <a:r>
+              <a:rPr lang="en-US" sz="2000" b="1" u="sng" dirty="0"/>
+              <a:t>World Health Organization (WHO): </a:t>
+            </a:r>
+          </a:p>
+          <a:p>
+            <a:pPr marL="0" indent="0" algn="ctr">
+              <a:buNone/>
+            </a:pPr>
+            <a:r>
+              <a:rPr lang="en-US" sz="2000" dirty="0"/>
+              <a:t>Enhance global collaboration and data consistency to speed international responses to drug and health crises, recognizing deaths will rise without action.</a:t>
+            </a:r>
+          </a:p>
+          <a:p>
+            <a:pPr marL="0" indent="0">
+              <a:buNone/>
+            </a:pPr>
+            <a:endParaRPr lang="en-AU" sz="2000" dirty="0"/>
+          </a:p>
+        </p:txBody>
+      </p:sp>
+      <p:sp>
+        <p:nvSpPr>
+          <p:cNvPr id="4" name="Star: 5 Points 3">
+            <a:extLst>
+              <a:ext uri="{FF2B5EF4-FFF2-40B4-BE49-F238E27FC236}">
+                <a16:creationId xmlns:a16="http://schemas.microsoft.com/office/drawing/2014/main" id="{06A5CD62-1158-00FC-1966-717305F09DA7}"/>
+              </a:ext>
+            </a:extLst>
+          </p:cNvPr>
+          <p:cNvSpPr/>
+          <p:nvPr/>
+        </p:nvSpPr>
+        <p:spPr>
+          <a:xfrm>
+            <a:off x="10922647" y="978408"/>
+            <a:ext cx="748145" cy="578425"/>
+          </a:xfrm>
+          <a:prstGeom prst="star5">
+            <a:avLst/>
+          </a:prstGeom>
+          <a:solidFill>
+            <a:srgbClr val="7030A0"/>
+          </a:solidFill>
+        </p:spPr>
+        <p:style>
+          <a:lnRef idx="2">
+            <a:schemeClr val="accent1">
+              <a:shade val="15000"/>
+            </a:schemeClr>
+          </a:lnRef>
+          <a:fillRef idx="1">
+            <a:schemeClr val="accent1"/>
+          </a:fillRef>
+          <a:effectRef idx="0">
+            <a:schemeClr val="accent1"/>
+          </a:effectRef>
+          <a:fontRef idx="minor">
+            <a:schemeClr val="lt1"/>
+          </a:fontRef>
+        </p:style>
+        <p:txBody>
+          <a:bodyPr rtlCol="0" anchor="ctr"/>
+          <a:lstStyle/>
+          <a:p>
+            <a:pPr algn="ctr"/>
+            <a:r>
+              <a:rPr lang="en-US" b="1" dirty="0"/>
+              <a:t>3</a:t>
+            </a:r>
+          </a:p>
+        </p:txBody>
+      </p:sp>
+      <p:pic>
+        <p:nvPicPr>
+          <p:cNvPr id="5" name="Picture 4" descr="A clipboard with check marks and a tick&#10;&#10;AI-generated content may be incorrect.">
+            <a:extLst>
+              <a:ext uri="{FF2B5EF4-FFF2-40B4-BE49-F238E27FC236}">
+                <a16:creationId xmlns:a16="http://schemas.microsoft.com/office/drawing/2014/main" id="{9A42A527-ACCC-828B-FA97-4D27616504D6}"/>
+              </a:ext>
+            </a:extLst>
+          </p:cNvPr>
+          <p:cNvPicPr>
+            <a:picLocks noChangeAspect="1"/>
+          </p:cNvPicPr>
+          <p:nvPr/>
+        </p:nvPicPr>
+        <p:blipFill>
+          <a:blip r:embed="rId2">
+            <a:extLst>
+              <a:ext uri="{28A0092B-C50C-407E-A947-70E740481C1C}">
+                <a14:useLocalDpi xmlns:a14="http://schemas.microsoft.com/office/drawing/2010/main" val="0"/>
+              </a:ext>
+            </a:extLst>
+          </a:blip>
+          <a:stretch>
+            <a:fillRect/>
+          </a:stretch>
+        </p:blipFill>
+        <p:spPr>
+          <a:xfrm>
+            <a:off x="5721927" y="978408"/>
+            <a:ext cx="748146" cy="748146"/>
+          </a:xfrm>
+          <a:prstGeom prst="rect">
+            <a:avLst/>
+          </a:prstGeom>
+        </p:spPr>
+      </p:pic>
+      <p:pic>
+        <p:nvPicPr>
+          <p:cNvPr id="9" name="Picture 8" descr="A blue and white sign with white text&#10;&#10;AI-generated content may be incorrect.">
+            <a:extLst>
+              <a:ext uri="{FF2B5EF4-FFF2-40B4-BE49-F238E27FC236}">
+                <a16:creationId xmlns:a16="http://schemas.microsoft.com/office/drawing/2014/main" id="{EB8E638E-E027-63C8-F418-A74813F34022}"/>
+              </a:ext>
+            </a:extLst>
+          </p:cNvPr>
+          <p:cNvPicPr>
+            <a:picLocks noChangeAspect="1"/>
+          </p:cNvPicPr>
+          <p:nvPr/>
+        </p:nvPicPr>
+        <p:blipFill>
+          <a:blip r:embed="rId3">
+            <a:extLst>
+              <a:ext uri="{28A0092B-C50C-407E-A947-70E740481C1C}">
+                <a14:useLocalDpi xmlns:a14="http://schemas.microsoft.com/office/drawing/2010/main" val="0"/>
+              </a:ext>
+            </a:extLst>
+          </a:blip>
+          <a:stretch>
+            <a:fillRect/>
+          </a:stretch>
+        </p:blipFill>
+        <p:spPr>
+          <a:xfrm>
+            <a:off x="9579801" y="2592740"/>
+            <a:ext cx="2128338" cy="1672519"/>
+          </a:xfrm>
+          <a:prstGeom prst="rect">
+            <a:avLst/>
+          </a:prstGeom>
+        </p:spPr>
+      </p:pic>
+      <p:pic>
+        <p:nvPicPr>
+          <p:cNvPr id="10" name="Picture 9" descr="A logo of the who&#10;&#10;AI-generated content may be incorrect.">
+            <a:extLst>
+              <a:ext uri="{FF2B5EF4-FFF2-40B4-BE49-F238E27FC236}">
+                <a16:creationId xmlns:a16="http://schemas.microsoft.com/office/drawing/2014/main" id="{5074EA06-FDB5-36BA-AD6C-B29DCF652D13}"/>
+              </a:ext>
+            </a:extLst>
+          </p:cNvPr>
+          <p:cNvPicPr>
+            <a:picLocks noChangeAspect="1"/>
+          </p:cNvPicPr>
+          <p:nvPr/>
+        </p:nvPicPr>
+        <p:blipFill>
+          <a:blip r:embed="rId4">
+            <a:extLst>
+              <a:ext uri="{28A0092B-C50C-407E-A947-70E740481C1C}">
+                <a14:useLocalDpi xmlns:a14="http://schemas.microsoft.com/office/drawing/2010/main" val="0"/>
+              </a:ext>
+            </a:extLst>
+          </a:blip>
+          <a:stretch>
+            <a:fillRect/>
+          </a:stretch>
+        </p:blipFill>
+        <p:spPr>
+          <a:xfrm>
+            <a:off x="10093212" y="4830626"/>
+            <a:ext cx="1101516" cy="1431411"/>
+          </a:xfrm>
+          <a:prstGeom prst="rect">
+            <a:avLst/>
+          </a:prstGeom>
+        </p:spPr>
+      </p:pic>
+    </p:spTree>
+    <p:extLst>
+      <p:ext uri="{BB962C8B-B14F-4D97-AF65-F5344CB8AC3E}">
+        <p14:creationId xmlns:p14="http://schemas.microsoft.com/office/powerpoint/2010/main" val="1498454331"/>
+      </p:ext>
+    </p:extLst>
+  </p:cSld>
+  <p:clrMapOvr>
+    <a:masterClrMapping/>
+  </p:clrMapOvr>
+</p:sld>
+</file>
+
+<file path=ppt/slides/slide26.xml><?xml version="1.0" encoding="utf-8"?>
+<p:sld xmlns:a="http://schemas.openxmlformats.org/drawingml/2006/main" xmlns:r="http://schemas.openxmlformats.org/officeDocument/2006/relationships" xmlns:p="http://schemas.openxmlformats.org/presentationml/2006/main">
+  <p:cSld>
+    <p:spTree>
+      <p:nvGrpSpPr>
+        <p:cNvPr id="1" name="">
+          <a:extLst>
+            <a:ext uri="{FF2B5EF4-FFF2-40B4-BE49-F238E27FC236}">
+              <a16:creationId xmlns:a16="http://schemas.microsoft.com/office/drawing/2014/main" id="{8830063B-2889-607D-D245-DBDB5E38FF58}"/>
+            </a:ext>
+          </a:extLst>
+        </p:cNvPr>
+        <p:cNvGrpSpPr/>
+        <p:nvPr/>
+      </p:nvGrpSpPr>
+      <p:grpSpPr>
+        <a:xfrm>
+          <a:off x="0" y="0"/>
+          <a:ext cx="0" cy="0"/>
+          <a:chOff x="0" y="0"/>
+          <a:chExt cx="0" cy="0"/>
+        </a:xfrm>
+      </p:grpSpPr>
+      <p:sp>
+        <p:nvSpPr>
+          <p:cNvPr id="2" name="Title 1">
+            <a:extLst>
+              <a:ext uri="{FF2B5EF4-FFF2-40B4-BE49-F238E27FC236}">
+                <a16:creationId xmlns:a16="http://schemas.microsoft.com/office/drawing/2014/main" id="{246368A5-E62D-FEE7-FD7F-DD7F077D8FC0}"/>
+              </a:ext>
+            </a:extLst>
+          </p:cNvPr>
+          <p:cNvSpPr>
+            <a:spLocks noGrp="1"/>
+          </p:cNvSpPr>
+          <p:nvPr>
+            <p:ph type="title"/>
+          </p:nvPr>
+        </p:nvSpPr>
+        <p:spPr/>
+        <p:txBody>
+          <a:bodyPr/>
+          <a:lstStyle/>
+          <a:p>
+            <a:r>
+              <a:rPr lang="en-US" dirty="0">
+                <a:solidFill>
+                  <a:srgbClr val="7030A0"/>
+                </a:solidFill>
+              </a:rPr>
+              <a:t>Recommendations</a:t>
+            </a:r>
+            <a:endParaRPr lang="en-AU" dirty="0">
+              <a:solidFill>
+                <a:srgbClr val="7030A0"/>
+              </a:solidFill>
+            </a:endParaRPr>
+          </a:p>
+        </p:txBody>
+      </p:sp>
+      <p:sp>
+        <p:nvSpPr>
+          <p:cNvPr id="3" name="Content Placeholder 2">
+            <a:extLst>
+              <a:ext uri="{FF2B5EF4-FFF2-40B4-BE49-F238E27FC236}">
+                <a16:creationId xmlns:a16="http://schemas.microsoft.com/office/drawing/2014/main" id="{5A5F87C0-6EF4-EAC9-C4F0-33F86DFE0CBF}"/>
+              </a:ext>
+            </a:extLst>
+          </p:cNvPr>
+          <p:cNvSpPr>
+            <a:spLocks noGrp="1"/>
+          </p:cNvSpPr>
+          <p:nvPr>
+            <p:ph idx="1"/>
+          </p:nvPr>
+        </p:nvSpPr>
+        <p:spPr>
+          <a:xfrm>
+            <a:off x="335280" y="1899734"/>
+            <a:ext cx="7686502" cy="4695029"/>
+          </a:xfrm>
+        </p:spPr>
+        <p:txBody>
+          <a:bodyPr>
+            <a:normAutofit/>
+          </a:bodyPr>
+          <a:lstStyle/>
+          <a:p>
+            <a:pPr marL="0" indent="0">
+              <a:buNone/>
+            </a:pPr>
+            <a:r>
+              <a:rPr lang="en-US" sz="2400" b="1" u="sng" dirty="0"/>
+              <a:t>2. Stakeholder Action Plan</a:t>
+            </a:r>
+            <a:endParaRPr lang="en-US" sz="2000" dirty="0"/>
+          </a:p>
+          <a:p>
+            <a:pPr marL="0" indent="0">
+              <a:buNone/>
+            </a:pPr>
+            <a:r>
+              <a:rPr lang="en-AU" sz="2000" b="1" dirty="0"/>
+              <a:t>Pharmaceutical Companies</a:t>
+            </a:r>
+            <a:r>
+              <a:rPr lang="en-AU" sz="2000" dirty="0"/>
+              <a:t>:</a:t>
+            </a:r>
+            <a:endParaRPr lang="en-US" sz="2000" dirty="0"/>
+          </a:p>
+          <a:p>
+            <a:pPr eaLnBrk="0" fontAlgn="base" hangingPunct="0">
+              <a:lnSpc>
+                <a:spcPct val="100000"/>
+              </a:lnSpc>
+              <a:spcBef>
+                <a:spcPct val="0"/>
+              </a:spcBef>
+              <a:spcAft>
+                <a:spcPct val="0"/>
+              </a:spcAft>
+            </a:pPr>
+            <a:r>
+              <a:rPr lang="en-US" altLang="en-US" sz="2000" dirty="0"/>
+              <a:t>Share anonymized prescription data with agencies to </a:t>
+            </a:r>
+            <a:r>
+              <a:rPr lang="en-US" altLang="en-US" sz="2000" b="1" dirty="0"/>
+              <a:t>detect misuse trends early</a:t>
+            </a:r>
+            <a:r>
+              <a:rPr lang="en-US" altLang="en-US" sz="2000" dirty="0"/>
+              <a:t>.</a:t>
+            </a:r>
+          </a:p>
+          <a:p>
+            <a:pPr eaLnBrk="0" fontAlgn="base" hangingPunct="0">
+              <a:lnSpc>
+                <a:spcPct val="100000"/>
+              </a:lnSpc>
+              <a:spcBef>
+                <a:spcPct val="0"/>
+              </a:spcBef>
+              <a:spcAft>
+                <a:spcPct val="0"/>
+              </a:spcAft>
+            </a:pPr>
+            <a:r>
+              <a:rPr lang="en-US" altLang="en-US" sz="2000" dirty="0"/>
+              <a:t>Invest in </a:t>
+            </a:r>
+            <a:r>
+              <a:rPr lang="en-US" altLang="en-US" sz="2000" b="1" dirty="0"/>
+              <a:t>non-opioid alternatives</a:t>
+            </a:r>
+            <a:r>
+              <a:rPr lang="en-US" altLang="en-US" sz="2000" dirty="0"/>
+              <a:t> and medications for stimulant addiction treatment.</a:t>
+            </a:r>
+          </a:p>
+          <a:p>
+            <a:pPr eaLnBrk="0" fontAlgn="base" hangingPunct="0">
+              <a:lnSpc>
+                <a:spcPct val="100000"/>
+              </a:lnSpc>
+              <a:spcBef>
+                <a:spcPct val="0"/>
+              </a:spcBef>
+              <a:spcAft>
+                <a:spcPct val="0"/>
+              </a:spcAft>
+            </a:pPr>
+            <a:r>
+              <a:rPr lang="en-US" altLang="en-US" sz="2000" dirty="0"/>
+              <a:t>Partner in </a:t>
+            </a:r>
+            <a:r>
+              <a:rPr lang="en-US" altLang="en-US" sz="2000" b="1" dirty="0"/>
+              <a:t>education campaigns</a:t>
+            </a:r>
+            <a:r>
+              <a:rPr lang="en-US" altLang="en-US" sz="2000" dirty="0"/>
+              <a:t> to promote safe prescribing practices.</a:t>
+            </a:r>
+          </a:p>
+          <a:p>
+            <a:pPr marL="0" indent="0">
+              <a:buNone/>
+            </a:pPr>
+            <a:endParaRPr lang="en-US" sz="2000" dirty="0"/>
+          </a:p>
+          <a:p>
+            <a:pPr marL="0" indent="0">
+              <a:buNone/>
+            </a:pPr>
+            <a:endParaRPr lang="en-US" sz="2000" dirty="0"/>
+          </a:p>
+          <a:p>
+            <a:pPr marL="0" indent="0">
+              <a:buNone/>
+            </a:pPr>
+            <a:endParaRPr lang="en-AU" sz="2000" dirty="0"/>
+          </a:p>
+        </p:txBody>
+      </p:sp>
+      <p:sp>
+        <p:nvSpPr>
+          <p:cNvPr id="4" name="Star: 5 Points 3">
+            <a:extLst>
+              <a:ext uri="{FF2B5EF4-FFF2-40B4-BE49-F238E27FC236}">
+                <a16:creationId xmlns:a16="http://schemas.microsoft.com/office/drawing/2014/main" id="{42A8B86E-DCA0-AF83-5558-D4DB217BBAE5}"/>
+              </a:ext>
+            </a:extLst>
+          </p:cNvPr>
+          <p:cNvSpPr/>
+          <p:nvPr/>
+        </p:nvSpPr>
+        <p:spPr>
+          <a:xfrm>
+            <a:off x="10922647" y="978408"/>
+            <a:ext cx="748145" cy="578425"/>
+          </a:xfrm>
+          <a:prstGeom prst="star5">
+            <a:avLst/>
+          </a:prstGeom>
+          <a:solidFill>
+            <a:srgbClr val="7030A0"/>
+          </a:solidFill>
+        </p:spPr>
+        <p:style>
+          <a:lnRef idx="2">
+            <a:schemeClr val="accent1">
+              <a:shade val="15000"/>
+            </a:schemeClr>
+          </a:lnRef>
+          <a:fillRef idx="1">
+            <a:schemeClr val="accent1"/>
+          </a:fillRef>
+          <a:effectRef idx="0">
+            <a:schemeClr val="accent1"/>
+          </a:effectRef>
+          <a:fontRef idx="minor">
+            <a:schemeClr val="lt1"/>
+          </a:fontRef>
+        </p:style>
+        <p:txBody>
+          <a:bodyPr rtlCol="0" anchor="ctr"/>
+          <a:lstStyle/>
+          <a:p>
+            <a:pPr algn="ctr"/>
+            <a:r>
+              <a:rPr lang="en-US" b="1" dirty="0"/>
+              <a:t>3</a:t>
+            </a:r>
+          </a:p>
+        </p:txBody>
+      </p:sp>
+      <p:pic>
+        <p:nvPicPr>
+          <p:cNvPr id="5" name="Picture 4" descr="A clipboard with check marks and a tick&#10;&#10;AI-generated content may be incorrect.">
+            <a:extLst>
+              <a:ext uri="{FF2B5EF4-FFF2-40B4-BE49-F238E27FC236}">
+                <a16:creationId xmlns:a16="http://schemas.microsoft.com/office/drawing/2014/main" id="{369C944A-4DAD-C3C2-0B5C-48D683628A43}"/>
+              </a:ext>
+            </a:extLst>
+          </p:cNvPr>
+          <p:cNvPicPr>
+            <a:picLocks noChangeAspect="1"/>
+          </p:cNvPicPr>
+          <p:nvPr/>
+        </p:nvPicPr>
+        <p:blipFill>
+          <a:blip r:embed="rId2">
+            <a:extLst>
+              <a:ext uri="{28A0092B-C50C-407E-A947-70E740481C1C}">
+                <a14:useLocalDpi xmlns:a14="http://schemas.microsoft.com/office/drawing/2010/main" val="0"/>
+              </a:ext>
+            </a:extLst>
+          </a:blip>
+          <a:stretch>
+            <a:fillRect/>
+          </a:stretch>
+        </p:blipFill>
+        <p:spPr>
+          <a:xfrm>
+            <a:off x="5721927" y="978408"/>
+            <a:ext cx="748146" cy="748146"/>
+          </a:xfrm>
+          <a:prstGeom prst="rect">
+            <a:avLst/>
+          </a:prstGeom>
+        </p:spPr>
+      </p:pic>
+      <p:pic>
+        <p:nvPicPr>
+          <p:cNvPr id="9" name="Picture 8" descr="A logo for a company&#10;&#10;AI-generated content may be incorrect.">
+            <a:extLst>
+              <a:ext uri="{FF2B5EF4-FFF2-40B4-BE49-F238E27FC236}">
+                <a16:creationId xmlns:a16="http://schemas.microsoft.com/office/drawing/2014/main" id="{44A97B0F-A029-AB28-0D4E-A4DDC1A09116}"/>
+              </a:ext>
+            </a:extLst>
+          </p:cNvPr>
+          <p:cNvPicPr>
+            <a:picLocks noChangeAspect="1"/>
+          </p:cNvPicPr>
+          <p:nvPr/>
+        </p:nvPicPr>
+        <p:blipFill>
+          <a:blip r:embed="rId3">
+            <a:extLst>
+              <a:ext uri="{28A0092B-C50C-407E-A947-70E740481C1C}">
+                <a14:useLocalDpi xmlns:a14="http://schemas.microsoft.com/office/drawing/2010/main" val="0"/>
+              </a:ext>
+            </a:extLst>
+          </a:blip>
+          <a:stretch>
+            <a:fillRect/>
+          </a:stretch>
+        </p:blipFill>
+        <p:spPr>
+          <a:xfrm>
+            <a:off x="8570595" y="2733675"/>
+            <a:ext cx="3286125" cy="1390650"/>
+          </a:xfrm>
+          <a:prstGeom prst="rect">
+            <a:avLst/>
+          </a:prstGeom>
+        </p:spPr>
+      </p:pic>
+    </p:spTree>
+    <p:extLst>
+      <p:ext uri="{BB962C8B-B14F-4D97-AF65-F5344CB8AC3E}">
+        <p14:creationId xmlns:p14="http://schemas.microsoft.com/office/powerpoint/2010/main" val="2943467371"/>
+      </p:ext>
+    </p:extLst>
+  </p:cSld>
+  <p:clrMapOvr>
+    <a:masterClrMapping/>
+  </p:clrMapOvr>
+</p:sld>
+</file>
+
+<file path=ppt/slides/slide27.xml><?xml version="1.0" encoding="utf-8"?>
+<p:sld xmlns:a="http://schemas.openxmlformats.org/drawingml/2006/main" xmlns:r="http://schemas.openxmlformats.org/officeDocument/2006/relationships" xmlns:p="http://schemas.openxmlformats.org/presentationml/2006/main">
+  <p:cSld>
+    <p:spTree>
+      <p:nvGrpSpPr>
+        <p:cNvPr id="1" name="">
+          <a:extLst>
+            <a:ext uri="{FF2B5EF4-FFF2-40B4-BE49-F238E27FC236}">
+              <a16:creationId xmlns:a16="http://schemas.microsoft.com/office/drawing/2014/main" id="{F0AA62EA-80D8-1018-F57B-8EEC0F3F328C}"/>
+            </a:ext>
+          </a:extLst>
+        </p:cNvPr>
+        <p:cNvGrpSpPr/>
+        <p:nvPr/>
+      </p:nvGrpSpPr>
+      <p:grpSpPr>
+        <a:xfrm>
+          <a:off x="0" y="0"/>
+          <a:ext cx="0" cy="0"/>
+          <a:chOff x="0" y="0"/>
+          <a:chExt cx="0" cy="0"/>
+        </a:xfrm>
+      </p:grpSpPr>
+      <p:sp>
+        <p:nvSpPr>
+          <p:cNvPr id="2" name="Title 1">
+            <a:extLst>
+              <a:ext uri="{FF2B5EF4-FFF2-40B4-BE49-F238E27FC236}">
+                <a16:creationId xmlns:a16="http://schemas.microsoft.com/office/drawing/2014/main" id="{8966CD81-731F-E7FA-8C37-B5EFB24B80A1}"/>
+              </a:ext>
+            </a:extLst>
+          </p:cNvPr>
+          <p:cNvSpPr>
+            <a:spLocks noGrp="1"/>
+          </p:cNvSpPr>
+          <p:nvPr>
+            <p:ph type="title"/>
+          </p:nvPr>
+        </p:nvSpPr>
+        <p:spPr/>
+        <p:txBody>
+          <a:bodyPr/>
+          <a:lstStyle/>
+          <a:p>
+            <a:r>
+              <a:rPr lang="en-US" dirty="0">
+                <a:solidFill>
+                  <a:srgbClr val="7030A0"/>
+                </a:solidFill>
+              </a:rPr>
+              <a:t>Recommendations</a:t>
+            </a:r>
+            <a:endParaRPr lang="en-AU" dirty="0">
+              <a:solidFill>
+                <a:srgbClr val="7030A0"/>
+              </a:solidFill>
+            </a:endParaRPr>
+          </a:p>
+        </p:txBody>
+      </p:sp>
+      <p:sp>
+        <p:nvSpPr>
+          <p:cNvPr id="3" name="Content Placeholder 2">
+            <a:extLst>
+              <a:ext uri="{FF2B5EF4-FFF2-40B4-BE49-F238E27FC236}">
+                <a16:creationId xmlns:a16="http://schemas.microsoft.com/office/drawing/2014/main" id="{B914A46B-610C-2E28-8DC7-D7CA23ADB46B}"/>
+              </a:ext>
+            </a:extLst>
+          </p:cNvPr>
+          <p:cNvSpPr>
+            <a:spLocks noGrp="1"/>
+          </p:cNvSpPr>
+          <p:nvPr>
+            <p:ph idx="1"/>
+          </p:nvPr>
+        </p:nvSpPr>
+        <p:spPr>
+          <a:xfrm>
+            <a:off x="335281" y="1899734"/>
+            <a:ext cx="6979920" cy="4695029"/>
+          </a:xfrm>
+        </p:spPr>
+        <p:txBody>
+          <a:bodyPr>
+            <a:normAutofit/>
+          </a:bodyPr>
+          <a:lstStyle/>
+          <a:p>
+            <a:pPr marL="0" indent="0">
+              <a:buNone/>
+            </a:pPr>
+            <a:r>
+              <a:rPr lang="en-US" sz="2400" b="1" u="sng" dirty="0"/>
+              <a:t>2. Stakeholder Action Plan</a:t>
+            </a:r>
+            <a:endParaRPr lang="en-US" sz="2000" dirty="0"/>
+          </a:p>
+          <a:p>
+            <a:pPr marL="0" indent="0">
+              <a:buNone/>
+            </a:pPr>
+            <a:r>
+              <a:rPr lang="en-AU" sz="2000" b="1" dirty="0"/>
+              <a:t>Addiction &amp; Mental Health Services:</a:t>
+            </a:r>
+          </a:p>
+          <a:p>
+            <a:pPr eaLnBrk="0" fontAlgn="base" hangingPunct="0">
+              <a:lnSpc>
+                <a:spcPct val="100000"/>
+              </a:lnSpc>
+              <a:spcBef>
+                <a:spcPct val="0"/>
+              </a:spcBef>
+              <a:spcAft>
+                <a:spcPct val="0"/>
+              </a:spcAft>
+            </a:pPr>
+            <a:r>
+              <a:rPr lang="en-US" altLang="en-US" sz="2000" dirty="0"/>
+              <a:t>Expand </a:t>
+            </a:r>
+            <a:r>
+              <a:rPr lang="en-US" altLang="en-US" sz="2000" b="1" dirty="0"/>
+              <a:t>dual-diagnosis treatment programs</a:t>
+            </a:r>
+            <a:r>
+              <a:rPr lang="en-US" altLang="en-US" sz="2000" dirty="0"/>
+              <a:t> for patients with both addiction and mental health issues.</a:t>
+            </a:r>
+          </a:p>
+          <a:p>
+            <a:pPr eaLnBrk="0" fontAlgn="base" hangingPunct="0">
+              <a:lnSpc>
+                <a:spcPct val="100000"/>
+              </a:lnSpc>
+              <a:spcBef>
+                <a:spcPct val="0"/>
+              </a:spcBef>
+              <a:spcAft>
+                <a:spcPct val="0"/>
+              </a:spcAft>
+            </a:pPr>
+            <a:r>
+              <a:rPr lang="en-US" altLang="en-US" sz="2000" dirty="0"/>
+              <a:t>Train clinicians on </a:t>
+            </a:r>
+            <a:r>
+              <a:rPr lang="en-US" altLang="en-US" sz="2000" b="1" dirty="0"/>
+              <a:t>stimulant-focused treatment approaches</a:t>
+            </a:r>
+            <a:r>
+              <a:rPr lang="en-US" altLang="en-US" sz="2000" dirty="0"/>
+              <a:t> as overdose trends shift post-2018.</a:t>
+            </a:r>
+          </a:p>
+          <a:p>
+            <a:pPr eaLnBrk="0" fontAlgn="base" hangingPunct="0">
+              <a:lnSpc>
+                <a:spcPct val="100000"/>
+              </a:lnSpc>
+              <a:spcBef>
+                <a:spcPct val="0"/>
+              </a:spcBef>
+              <a:spcAft>
+                <a:spcPct val="0"/>
+              </a:spcAft>
+            </a:pPr>
+            <a:r>
+              <a:rPr lang="en-US" altLang="en-US" sz="2000" dirty="0"/>
+              <a:t>Develop </a:t>
+            </a:r>
+            <a:r>
+              <a:rPr lang="en-US" altLang="en-US" sz="2000" b="1" dirty="0"/>
+              <a:t>community-based recovery hubs</a:t>
+            </a:r>
+            <a:r>
+              <a:rPr lang="en-US" altLang="en-US" sz="2000" dirty="0"/>
+              <a:t> integrating mental health, housing, and job training specifically in </a:t>
+            </a:r>
+            <a:r>
+              <a:rPr lang="en-US" sz="2000" dirty="0"/>
+              <a:t>Midwest and West regions.</a:t>
+            </a:r>
+            <a:endParaRPr lang="en-US" altLang="en-US" sz="2000" dirty="0"/>
+          </a:p>
+          <a:p>
+            <a:pPr marL="0" indent="0">
+              <a:buNone/>
+            </a:pPr>
+            <a:endParaRPr lang="en-AU" sz="2000" b="1" dirty="0"/>
+          </a:p>
+          <a:p>
+            <a:pPr marL="0" indent="0">
+              <a:buNone/>
+            </a:pPr>
+            <a:endParaRPr lang="en-AU" sz="2000" b="1" dirty="0"/>
+          </a:p>
+          <a:p>
+            <a:pPr marL="0" indent="0">
+              <a:buNone/>
+            </a:pPr>
+            <a:endParaRPr lang="en-US" sz="2000" dirty="0"/>
+          </a:p>
+          <a:p>
+            <a:pPr marL="0" indent="0">
+              <a:buNone/>
+            </a:pPr>
+            <a:endParaRPr lang="en-US" sz="2000" dirty="0"/>
+          </a:p>
+          <a:p>
+            <a:pPr marL="0" indent="0">
+              <a:buNone/>
+            </a:pPr>
+            <a:endParaRPr lang="en-US" sz="2000" dirty="0"/>
+          </a:p>
+          <a:p>
+            <a:pPr marL="0" indent="0">
+              <a:buNone/>
+            </a:pPr>
+            <a:endParaRPr lang="en-AU" sz="2000" dirty="0"/>
+          </a:p>
+        </p:txBody>
+      </p:sp>
+      <p:sp>
+        <p:nvSpPr>
+          <p:cNvPr id="4" name="Star: 5 Points 3">
+            <a:extLst>
+              <a:ext uri="{FF2B5EF4-FFF2-40B4-BE49-F238E27FC236}">
+                <a16:creationId xmlns:a16="http://schemas.microsoft.com/office/drawing/2014/main" id="{3A1F84D4-0C29-E89A-4DFD-29379F5354E0}"/>
+              </a:ext>
+            </a:extLst>
+          </p:cNvPr>
+          <p:cNvSpPr/>
+          <p:nvPr/>
+        </p:nvSpPr>
+        <p:spPr>
+          <a:xfrm>
+            <a:off x="10922647" y="978408"/>
+            <a:ext cx="748145" cy="578425"/>
+          </a:xfrm>
+          <a:prstGeom prst="star5">
+            <a:avLst/>
+          </a:prstGeom>
+          <a:solidFill>
+            <a:srgbClr val="7030A0"/>
+          </a:solidFill>
+        </p:spPr>
+        <p:style>
+          <a:lnRef idx="2">
+            <a:schemeClr val="accent1">
+              <a:shade val="15000"/>
+            </a:schemeClr>
+          </a:lnRef>
+          <a:fillRef idx="1">
+            <a:schemeClr val="accent1"/>
+          </a:fillRef>
+          <a:effectRef idx="0">
+            <a:schemeClr val="accent1"/>
+          </a:effectRef>
+          <a:fontRef idx="minor">
+            <a:schemeClr val="lt1"/>
+          </a:fontRef>
+        </p:style>
+        <p:txBody>
+          <a:bodyPr rtlCol="0" anchor="ctr"/>
+          <a:lstStyle/>
+          <a:p>
+            <a:pPr algn="ctr"/>
+            <a:r>
+              <a:rPr lang="en-US" b="1" dirty="0"/>
+              <a:t>3</a:t>
+            </a:r>
+          </a:p>
+        </p:txBody>
+      </p:sp>
+      <p:pic>
+        <p:nvPicPr>
+          <p:cNvPr id="5" name="Picture 4" descr="A clipboard with check marks and a tick&#10;&#10;AI-generated content may be incorrect.">
+            <a:extLst>
+              <a:ext uri="{FF2B5EF4-FFF2-40B4-BE49-F238E27FC236}">
+                <a16:creationId xmlns:a16="http://schemas.microsoft.com/office/drawing/2014/main" id="{00A16C61-65C6-ACFC-E0A2-969D19B57498}"/>
+              </a:ext>
+            </a:extLst>
+          </p:cNvPr>
+          <p:cNvPicPr>
+            <a:picLocks noChangeAspect="1"/>
+          </p:cNvPicPr>
+          <p:nvPr/>
+        </p:nvPicPr>
+        <p:blipFill>
+          <a:blip r:embed="rId2">
+            <a:extLst>
+              <a:ext uri="{28A0092B-C50C-407E-A947-70E740481C1C}">
+                <a14:useLocalDpi xmlns:a14="http://schemas.microsoft.com/office/drawing/2010/main" val="0"/>
+              </a:ext>
+            </a:extLst>
+          </a:blip>
+          <a:stretch>
+            <a:fillRect/>
+          </a:stretch>
+        </p:blipFill>
+        <p:spPr>
+          <a:xfrm>
+            <a:off x="5721927" y="978408"/>
+            <a:ext cx="748146" cy="748146"/>
+          </a:xfrm>
+          <a:prstGeom prst="rect">
+            <a:avLst/>
+          </a:prstGeom>
+        </p:spPr>
+      </p:pic>
+      <p:pic>
+        <p:nvPicPr>
+          <p:cNvPr id="11" name="Picture 10" descr="A black and white logo&#10;&#10;AI-generated content may be incorrect.">
+            <a:extLst>
+              <a:ext uri="{FF2B5EF4-FFF2-40B4-BE49-F238E27FC236}">
+                <a16:creationId xmlns:a16="http://schemas.microsoft.com/office/drawing/2014/main" id="{DBF180D1-25D5-DA3C-0B5D-7B2744C57A4A}"/>
+              </a:ext>
+            </a:extLst>
+          </p:cNvPr>
+          <p:cNvPicPr>
+            <a:picLocks noChangeAspect="1"/>
+          </p:cNvPicPr>
+          <p:nvPr/>
+        </p:nvPicPr>
+        <p:blipFill>
+          <a:blip r:embed="rId3">
+            <a:extLst>
+              <a:ext uri="{28A0092B-C50C-407E-A947-70E740481C1C}">
+                <a14:useLocalDpi xmlns:a14="http://schemas.microsoft.com/office/drawing/2010/main" val="0"/>
+              </a:ext>
+            </a:extLst>
+          </a:blip>
+          <a:stretch>
+            <a:fillRect/>
+          </a:stretch>
+        </p:blipFill>
+        <p:spPr>
+          <a:xfrm>
+            <a:off x="8170544" y="3008998"/>
+            <a:ext cx="3686175" cy="1238250"/>
+          </a:xfrm>
+          <a:prstGeom prst="rect">
+            <a:avLst/>
+          </a:prstGeom>
+        </p:spPr>
+      </p:pic>
+    </p:spTree>
+    <p:extLst>
+      <p:ext uri="{BB962C8B-B14F-4D97-AF65-F5344CB8AC3E}">
+        <p14:creationId xmlns:p14="http://schemas.microsoft.com/office/powerpoint/2010/main" val="371503138"/>
+      </p:ext>
+    </p:extLst>
+  </p:cSld>
+  <p:clrMapOvr>
+    <a:masterClrMapping/>
+  </p:clrMapOvr>
+</p:sld>
+</file>
+
+<file path=ppt/slides/slide28.xml><?xml version="1.0" encoding="utf-8"?>
 <p:sld xmlns:a="http://schemas.openxmlformats.org/drawingml/2006/main" xmlns:r="http://schemas.openxmlformats.org/officeDocument/2006/relationships" xmlns:p="http://schemas.openxmlformats.org/presentationml/2006/main">
   <p:cSld>
     <p:spTree>
@@ -12002,6 +13405,42 @@
           </a:prstGeom>
         </p:spPr>
       </p:pic>
+      <p:pic>
+        <p:nvPicPr>
+          <p:cNvPr id="7" name="Picture 6" descr="A silhouette of a head with a sign and a syringe in it&#10;&#10;AI-generated content may be incorrect.">
+            <a:extLst>
+              <a:ext uri="{FF2B5EF4-FFF2-40B4-BE49-F238E27FC236}">
+                <a16:creationId xmlns:a16="http://schemas.microsoft.com/office/drawing/2014/main" id="{BA80B2A8-0781-AE21-8037-BB4C4CAEFAB5}"/>
+              </a:ext>
+            </a:extLst>
+          </p:cNvPr>
+          <p:cNvPicPr>
+            <a:picLocks noChangeAspect="1"/>
+          </p:cNvPicPr>
+          <p:nvPr/>
+        </p:nvPicPr>
+        <p:blipFill>
+          <a:blip r:embed="rId3">
+            <a:extLst>
+              <a:ext uri="{28A0092B-C50C-407E-A947-70E740481C1C}">
+                <a14:useLocalDpi xmlns:a14="http://schemas.microsoft.com/office/drawing/2010/main" val="0"/>
+              </a:ext>
+            </a:extLst>
+          </a:blip>
+          <a:stretch>
+            <a:fillRect/>
+          </a:stretch>
+        </p:blipFill>
+        <p:spPr>
+          <a:xfrm>
+            <a:off x="9776521" y="3962400"/>
+            <a:ext cx="1520198" cy="2175164"/>
+          </a:xfrm>
+          <a:prstGeom prst="rect">
+            <a:avLst/>
+          </a:prstGeom>
+        </p:spPr>
+      </p:pic>
     </p:spTree>
     <p:extLst>
       <p:ext uri="{BB962C8B-B14F-4D97-AF65-F5344CB8AC3E}">
@@ -12015,7 +13454,7 @@
 </p:sld>
 </file>
 
-<file path=ppt/slides/slide24.xml><?xml version="1.0" encoding="utf-8"?>
+<file path=ppt/slides/slide29.xml><?xml version="1.0" encoding="utf-8"?>
 <p:sld xmlns:a="http://schemas.openxmlformats.org/drawingml/2006/main" xmlns:r="http://schemas.openxmlformats.org/officeDocument/2006/relationships" xmlns:p="http://schemas.openxmlformats.org/presentationml/2006/main">
   <p:cSld>
     <p:spTree>
@@ -12023,7 +13462,7 @@
         <p:cNvPr id="1" name="">
           <a:extLst>
             <a:ext uri="{FF2B5EF4-FFF2-40B4-BE49-F238E27FC236}">
-              <a16:creationId xmlns:a16="http://schemas.microsoft.com/office/drawing/2014/main" id="{F2644142-C3BA-BBC7-E6F9-26CF29498741}"/>
+              <a16:creationId xmlns:a16="http://schemas.microsoft.com/office/drawing/2014/main" id="{8110676B-6BAF-902A-0CA2-23D45FEC46D0}"/>
             </a:ext>
           </a:extLst>
         </p:cNvPr>
@@ -12043,7 +13482,7 @@
           <p:cNvPr id="2" name="Title 1">
             <a:extLst>
               <a:ext uri="{FF2B5EF4-FFF2-40B4-BE49-F238E27FC236}">
-                <a16:creationId xmlns:a16="http://schemas.microsoft.com/office/drawing/2014/main" id="{CD6A9DBE-6878-0BF5-475E-286952400D29}"/>
+                <a16:creationId xmlns:a16="http://schemas.microsoft.com/office/drawing/2014/main" id="{847C3677-436A-C687-1D69-BA6F8CEA98C7}"/>
               </a:ext>
             </a:extLst>
           </p:cNvPr>
@@ -12085,7 +13524,7 @@
           <p:cNvPr id="3" name="Content Placeholder 2">
             <a:extLst>
               <a:ext uri="{FF2B5EF4-FFF2-40B4-BE49-F238E27FC236}">
-                <a16:creationId xmlns:a16="http://schemas.microsoft.com/office/drawing/2014/main" id="{8360BA6B-1389-A5FA-E947-4326174841A8}"/>
+                <a16:creationId xmlns:a16="http://schemas.microsoft.com/office/drawing/2014/main" id="{F440F0CF-5B39-A49E-4366-408A42EEA9D6}"/>
               </a:ext>
             </a:extLst>
           </p:cNvPr>
@@ -12098,8 +13537,8 @@
         </p:nvSpPr>
         <p:spPr>
           <a:xfrm>
-            <a:off x="515112" y="1844315"/>
-            <a:ext cx="7718018" cy="4888993"/>
+            <a:off x="515112" y="1885880"/>
+            <a:ext cx="11050940" cy="4972120"/>
           </a:xfrm>
         </p:spPr>
         <p:txBody>
@@ -12112,43 +13551,128 @@
               <a:buNone/>
             </a:pPr>
             <a:r>
-              <a:rPr lang="en-US" b="1" u="sng" dirty="0"/>
-              <a:t>Reminder why this analysis is important:</a:t>
-            </a:r>
-          </a:p>
-          <a:p>
-            <a:r>
-              <a:rPr lang="en-US" dirty="0"/>
-              <a:t>Drug use and overdose deaths in the U.S. are at record highs, with rising suicide rates linked to drug misuse and mental health struggles.</a:t>
-            </a:r>
-          </a:p>
-          <a:p>
-            <a:r>
-              <a:rPr lang="en-US" dirty="0"/>
-              <a:t>Slow coordination between health organizations and law enforcement hinders effective responses. </a:t>
-            </a:r>
-          </a:p>
-          <a:p>
-            <a:r>
-              <a:rPr lang="en-US" dirty="0"/>
-              <a:t>Research and community education are critical for targeted prevention, stronger interventions, and informed policy development.</a:t>
-            </a:r>
+              <a:rPr lang="en-US" sz="2000" b="1" u="sng" dirty="0"/>
+              <a:t>Improving Dataset Quality and Analysis:</a:t>
+            </a:r>
+            <a:endParaRPr lang="en-AU" sz="2000" b="1" dirty="0"/>
           </a:p>
           <a:p>
             <a:pPr marL="0" indent="0">
               <a:buNone/>
             </a:pPr>
+            <a:r>
+              <a:rPr lang="en-AU" sz="2000" b="1" dirty="0"/>
+              <a:t>📅 Data Coverage</a:t>
+            </a:r>
+            <a:endParaRPr lang="en-AU" sz="2000" dirty="0"/>
+          </a:p>
+          <a:p>
+            <a:pPr lvl="1"/>
+            <a:r>
+              <a:rPr lang="en-AU" sz="1800" dirty="0"/>
+              <a:t>Ensure </a:t>
+            </a:r>
+            <a:r>
+              <a:rPr lang="en-AU" sz="1800" b="1" dirty="0"/>
+              <a:t>complete aggregation</a:t>
+            </a:r>
+            <a:r>
+              <a:rPr lang="en-AU" sz="1800" dirty="0"/>
+              <a:t> of 2022–2023 data with all 12 months.</a:t>
+            </a:r>
+          </a:p>
+          <a:p>
+            <a:pPr marL="0" indent="0">
+              <a:buNone/>
+            </a:pPr>
+            <a:r>
+              <a:rPr lang="en-AU" sz="2000" b="1" dirty="0"/>
+              <a:t>👥 Demographic Insights</a:t>
+            </a:r>
+            <a:endParaRPr lang="en-AU" sz="2000" dirty="0"/>
+          </a:p>
+          <a:p>
+            <a:pPr lvl="1"/>
+            <a:r>
+              <a:rPr lang="en-AU" sz="1800" dirty="0"/>
+              <a:t>Add </a:t>
+            </a:r>
+            <a:r>
+              <a:rPr lang="en-AU" sz="1800" b="1" dirty="0"/>
+              <a:t>gender, age group, and region</a:t>
+            </a:r>
+            <a:r>
+              <a:rPr lang="en-AU" sz="1800" dirty="0"/>
+              <a:t> columns for deeper trend analysis.</a:t>
+            </a:r>
+          </a:p>
+          <a:p>
+            <a:pPr marL="0" indent="0">
+              <a:buNone/>
+            </a:pPr>
+            <a:r>
+              <a:rPr lang="en-AU" sz="2000" b="1" dirty="0"/>
+              <a:t>📈 Data Volume &amp; Balance</a:t>
+            </a:r>
+            <a:endParaRPr lang="en-AU" sz="2000" dirty="0"/>
+          </a:p>
+          <a:p>
+            <a:pPr lvl="1"/>
+            <a:r>
+              <a:rPr lang="en-AU" sz="1800" dirty="0"/>
+              <a:t>Aim for </a:t>
+            </a:r>
+            <a:r>
+              <a:rPr lang="en-AU" sz="1800" b="1" dirty="0"/>
+              <a:t>30K+ records</a:t>
+            </a:r>
+            <a:r>
+              <a:rPr lang="en-AU" sz="1800" dirty="0"/>
+              <a:t> to strengthen analysis accuracy.</a:t>
+            </a:r>
+          </a:p>
+          <a:p>
+            <a:pPr lvl="1"/>
+            <a:r>
+              <a:rPr lang="en-AU" sz="1800" b="1" dirty="0"/>
+              <a:t>Balance dataset</a:t>
+            </a:r>
+            <a:r>
+              <a:rPr lang="en-AU" sz="1800" dirty="0"/>
+              <a:t> by reducing skew and handling outliers.</a:t>
+            </a:r>
+          </a:p>
+          <a:p>
+            <a:pPr marL="0" indent="0">
+              <a:buNone/>
+            </a:pPr>
+            <a:r>
+              <a:rPr lang="en-AU" sz="2000" b="1" dirty="0"/>
+              <a:t>🌍 External Context</a:t>
+            </a:r>
+            <a:endParaRPr lang="en-AU" sz="2000" dirty="0"/>
+          </a:p>
+          <a:p>
+            <a:pPr lvl="1"/>
+            <a:r>
+              <a:rPr lang="en-AU" sz="1800" dirty="0"/>
+              <a:t>Include analysis of </a:t>
+            </a:r>
+            <a:r>
+              <a:rPr lang="en-AU" sz="1800" b="1" dirty="0"/>
+              <a:t>political, social, or policy impacts</a:t>
+            </a:r>
+            <a:r>
+              <a:rPr lang="en-AU" sz="1800" dirty="0"/>
+              <a:t> to understand external factors influencing trends.</a:t>
+            </a:r>
+          </a:p>
+          <a:p>
+            <a:pPr marL="0" indent="0">
+              <a:buNone/>
+            </a:pPr>
             <a:endParaRPr lang="en-US" dirty="0"/>
           </a:p>
-          <a:p>
-            <a:pPr marL="0" indent="0" algn="ctr">
-              <a:buNone/>
-            </a:pPr>
-            <a:r>
-              <a:rPr lang="en-US" dirty="0"/>
-              <a:t>Stakeholders should consistently analyze patterns and anomalies to identify opportunities for reducing drug overdose rates, recognizing that while complete elimination may be unattainable, significant reductions are achievable.</a:t>
-            </a:r>
-          </a:p>
         </p:txBody>
       </p:sp>
       <p:sp>
@@ -12156,7 +13680,7 @@
           <p:cNvPr id="4" name="Star: 5 Points 3">
             <a:extLst>
               <a:ext uri="{FF2B5EF4-FFF2-40B4-BE49-F238E27FC236}">
-                <a16:creationId xmlns:a16="http://schemas.microsoft.com/office/drawing/2014/main" id="{E98492DB-984E-2CE0-71EE-43D5C8236EDC}"/>
+                <a16:creationId xmlns:a16="http://schemas.microsoft.com/office/drawing/2014/main" id="{D2B431F9-32F0-42C3-B66D-4BE237B8B6FB}"/>
               </a:ext>
             </a:extLst>
           </p:cNvPr>
@@ -12208,7 +13732,7 @@
           <p:cNvPr id="5" name="Picture 4" descr="A clipboard with check marks and a tick&#10;&#10;AI-generated content may be incorrect.">
             <a:extLst>
               <a:ext uri="{FF2B5EF4-FFF2-40B4-BE49-F238E27FC236}">
-                <a16:creationId xmlns:a16="http://schemas.microsoft.com/office/drawing/2014/main" id="{4A13828E-7411-8635-81D4-85AB9E73091F}"/>
+                <a16:creationId xmlns:a16="http://schemas.microsoft.com/office/drawing/2014/main" id="{21B08A97-6A8C-A6B0-D201-6206D94E01A5}"/>
               </a:ext>
             </a:extLst>
           </p:cNvPr>
@@ -12241,10 +13765,10 @@
       </p:pic>
       <p:pic>
         <p:nvPicPr>
-          <p:cNvPr id="6" name="Picture 5" descr="A purple and blue ribbon&#10;&#10;AI-generated content may be incorrect.">
-            <a:extLst>
-              <a:ext uri="{FF2B5EF4-FFF2-40B4-BE49-F238E27FC236}">
-                <a16:creationId xmlns:a16="http://schemas.microsoft.com/office/drawing/2014/main" id="{D030D280-A2D9-7F65-B883-173BAF143BE0}"/>
+          <p:cNvPr id="7" name="Picture 6" descr="A silhouette of a head with a sign and a syringe in it&#10;&#10;AI-generated content may be incorrect.">
+            <a:extLst>
+              <a:ext uri="{FF2B5EF4-FFF2-40B4-BE49-F238E27FC236}">
+                <a16:creationId xmlns:a16="http://schemas.microsoft.com/office/drawing/2014/main" id="{79F167FD-74DB-11C6-6CC8-85684E3D128C}"/>
               </a:ext>
             </a:extLst>
           </p:cNvPr>
@@ -12267,44 +13791,8 @@
         </p:blipFill>
         <p:spPr>
           <a:xfrm>
-            <a:off x="8571976" y="2441448"/>
-            <a:ext cx="3332922" cy="3332922"/>
-          </a:xfrm>
-          <a:prstGeom prst="rect">
-            <a:avLst/>
-          </a:prstGeom>
-        </p:spPr>
-      </p:pic>
-      <p:pic>
-        <p:nvPicPr>
-          <p:cNvPr id="7" name="Picture 6" descr="A purple and blue ribbon&#10;&#10;AI-generated content may be incorrect.">
-            <a:extLst>
-              <a:ext uri="{FF2B5EF4-FFF2-40B4-BE49-F238E27FC236}">
-                <a16:creationId xmlns:a16="http://schemas.microsoft.com/office/drawing/2014/main" id="{AFC174F0-6009-BD8A-E111-8E46B287ACDD}"/>
-              </a:ext>
-            </a:extLst>
-          </p:cNvPr>
-          <p:cNvPicPr>
-            <a:picLocks noChangeAspect="1"/>
-          </p:cNvPicPr>
-          <p:nvPr/>
-        </p:nvPicPr>
-        <p:blipFill>
-          <a:blip r:embed="rId3">
-            <a:extLst>
-              <a:ext uri="{28A0092B-C50C-407E-A947-70E740481C1C}">
-                <a14:useLocalDpi xmlns:a14="http://schemas.microsoft.com/office/drawing/2010/main" val="0"/>
-              </a:ext>
-            </a:extLst>
-          </a:blip>
-          <a:stretch>
-            <a:fillRect/>
-          </a:stretch>
-        </p:blipFill>
-        <p:spPr>
-          <a:xfrm>
-            <a:off x="8724376" y="2593848"/>
-            <a:ext cx="3332922" cy="3332922"/>
+            <a:off x="9776521" y="3962400"/>
+            <a:ext cx="1520198" cy="2175164"/>
           </a:xfrm>
           <a:prstGeom prst="rect">
             <a:avLst/>
@@ -12314,101 +13802,7 @@
     </p:spTree>
     <p:extLst>
       <p:ext uri="{BB962C8B-B14F-4D97-AF65-F5344CB8AC3E}">
-        <p14:creationId xmlns:p14="http://schemas.microsoft.com/office/powerpoint/2010/main" val="931706438"/>
-      </p:ext>
-    </p:extLst>
-  </p:cSld>
-  <p:clrMapOvr>
-    <a:masterClrMapping/>
-  </p:clrMapOvr>
-</p:sld>
-</file>
-
-<file path=ppt/slides/slide25.xml><?xml version="1.0" encoding="utf-8"?>
-<p:sld xmlns:a="http://schemas.openxmlformats.org/drawingml/2006/main" xmlns:r="http://schemas.openxmlformats.org/officeDocument/2006/relationships" xmlns:p="http://schemas.openxmlformats.org/presentationml/2006/main">
-  <p:cSld>
-    <p:spTree>
-      <p:nvGrpSpPr>
-        <p:cNvPr id="1" name=""/>
-        <p:cNvGrpSpPr/>
-        <p:nvPr/>
-      </p:nvGrpSpPr>
-      <p:grpSpPr>
-        <a:xfrm>
-          <a:off x="0" y="0"/>
-          <a:ext cx="0" cy="0"/>
-          <a:chOff x="0" y="0"/>
-          <a:chExt cx="0" cy="0"/>
-        </a:xfrm>
-      </p:grpSpPr>
-      <p:sp>
-        <p:nvSpPr>
-          <p:cNvPr id="2" name="Title 1">
-            <a:extLst>
-              <a:ext uri="{FF2B5EF4-FFF2-40B4-BE49-F238E27FC236}">
-                <a16:creationId xmlns:a16="http://schemas.microsoft.com/office/drawing/2014/main" id="{2204DA57-521D-C8C9-F1D1-6FABABBAD86D}"/>
-              </a:ext>
-            </a:extLst>
-          </p:cNvPr>
-          <p:cNvSpPr>
-            <a:spLocks noGrp="1"/>
-          </p:cNvSpPr>
-          <p:nvPr>
-            <p:ph type="title"/>
-          </p:nvPr>
-        </p:nvSpPr>
-        <p:spPr/>
-        <p:txBody>
-          <a:bodyPr/>
-          <a:lstStyle/>
-          <a:p>
-            <a:r>
-              <a:rPr lang="en-AU" dirty="0"/>
-              <a:t>QUESTIONS?</a:t>
-            </a:r>
-          </a:p>
-        </p:txBody>
-      </p:sp>
-      <p:pic>
-        <p:nvPicPr>
-          <p:cNvPr id="5" name="Picture 4" descr="Cartoon person holding a puppet&#10;&#10;AI-generated content may be incorrect.">
-            <a:extLst>
-              <a:ext uri="{FF2B5EF4-FFF2-40B4-BE49-F238E27FC236}">
-                <a16:creationId xmlns:a16="http://schemas.microsoft.com/office/drawing/2014/main" id="{9CAD8D81-6BEE-F47E-DC33-FCB7C0D29D7C}"/>
-              </a:ext>
-            </a:extLst>
-          </p:cNvPr>
-          <p:cNvPicPr>
-            <a:picLocks noChangeAspect="1"/>
-          </p:cNvPicPr>
-          <p:nvPr/>
-        </p:nvPicPr>
-        <p:blipFill>
-          <a:blip r:embed="rId2">
-            <a:extLst>
-              <a:ext uri="{28A0092B-C50C-407E-A947-70E740481C1C}">
-                <a14:useLocalDpi xmlns:a14="http://schemas.microsoft.com/office/drawing/2010/main" val="0"/>
-              </a:ext>
-            </a:extLst>
-          </a:blip>
-          <a:stretch>
-            <a:fillRect/>
-          </a:stretch>
-        </p:blipFill>
-        <p:spPr>
-          <a:xfrm>
-            <a:off x="3320315" y="1868379"/>
-            <a:ext cx="6069345" cy="4546150"/>
-          </a:xfrm>
-          <a:prstGeom prst="rect">
-            <a:avLst/>
-          </a:prstGeom>
-        </p:spPr>
-      </p:pic>
-    </p:spTree>
-    <p:extLst>
-      <p:ext uri="{BB962C8B-B14F-4D97-AF65-F5344CB8AC3E}">
-        <p14:creationId xmlns:p14="http://schemas.microsoft.com/office/powerpoint/2010/main" val="3190858069"/>
+        <p14:creationId xmlns:p14="http://schemas.microsoft.com/office/powerpoint/2010/main" val="2302310813"/>
       </p:ext>
     </p:extLst>
   </p:cSld>
@@ -12852,6 +14246,769 @@
     <p:extLst>
       <p:ext uri="{BB962C8B-B14F-4D97-AF65-F5344CB8AC3E}">
         <p14:creationId xmlns:p14="http://schemas.microsoft.com/office/powerpoint/2010/main" val="1237986551"/>
+      </p:ext>
+    </p:extLst>
+  </p:cSld>
+  <p:clrMapOvr>
+    <a:masterClrMapping/>
+  </p:clrMapOvr>
+</p:sld>
+</file>
+
+<file path=ppt/slides/slide30.xml><?xml version="1.0" encoding="utf-8"?>
+<p:sld xmlns:a="http://schemas.openxmlformats.org/drawingml/2006/main" xmlns:r="http://schemas.openxmlformats.org/officeDocument/2006/relationships" xmlns:p="http://schemas.openxmlformats.org/presentationml/2006/main">
+  <p:cSld>
+    <p:spTree>
+      <p:nvGrpSpPr>
+        <p:cNvPr id="1" name="">
+          <a:extLst>
+            <a:ext uri="{FF2B5EF4-FFF2-40B4-BE49-F238E27FC236}">
+              <a16:creationId xmlns:a16="http://schemas.microsoft.com/office/drawing/2014/main" id="{918CAEBC-2DA5-D805-0F57-12637EA2B0CE}"/>
+            </a:ext>
+          </a:extLst>
+        </p:cNvPr>
+        <p:cNvGrpSpPr/>
+        <p:nvPr/>
+      </p:nvGrpSpPr>
+      <p:grpSpPr>
+        <a:xfrm>
+          <a:off x="0" y="0"/>
+          <a:ext cx="0" cy="0"/>
+          <a:chOff x="0" y="0"/>
+          <a:chExt cx="0" cy="0"/>
+        </a:xfrm>
+      </p:grpSpPr>
+      <p:sp>
+        <p:nvSpPr>
+          <p:cNvPr id="2" name="Title 1">
+            <a:extLst>
+              <a:ext uri="{FF2B5EF4-FFF2-40B4-BE49-F238E27FC236}">
+                <a16:creationId xmlns:a16="http://schemas.microsoft.com/office/drawing/2014/main" id="{A11D6C21-5030-EFF7-1569-A50D4D1D4A3F}"/>
+              </a:ext>
+            </a:extLst>
+          </p:cNvPr>
+          <p:cNvSpPr>
+            <a:spLocks noGrp="1"/>
+          </p:cNvSpPr>
+          <p:nvPr>
+            <p:ph type="title"/>
+          </p:nvPr>
+        </p:nvSpPr>
+        <p:spPr>
+          <a:xfrm>
+            <a:off x="410372" y="978408"/>
+            <a:ext cx="11155680" cy="1463040"/>
+          </a:xfrm>
+        </p:spPr>
+        <p:txBody>
+          <a:bodyPr/>
+          <a:lstStyle/>
+          <a:p>
+            <a:r>
+              <a:rPr lang="en-US" dirty="0">
+                <a:solidFill>
+                  <a:srgbClr val="7030A0"/>
+                </a:solidFill>
+              </a:rPr>
+              <a:t>Summary</a:t>
+            </a:r>
+            <a:endParaRPr lang="en-AU" dirty="0">
+              <a:solidFill>
+                <a:srgbClr val="7030A0"/>
+              </a:solidFill>
+            </a:endParaRPr>
+          </a:p>
+        </p:txBody>
+      </p:sp>
+      <p:sp>
+        <p:nvSpPr>
+          <p:cNvPr id="3" name="Content Placeholder 2">
+            <a:extLst>
+              <a:ext uri="{FF2B5EF4-FFF2-40B4-BE49-F238E27FC236}">
+                <a16:creationId xmlns:a16="http://schemas.microsoft.com/office/drawing/2014/main" id="{9CE3FEED-9CBA-82FC-265F-DC90117CA1CD}"/>
+              </a:ext>
+            </a:extLst>
+          </p:cNvPr>
+          <p:cNvSpPr>
+            <a:spLocks noGrp="1"/>
+          </p:cNvSpPr>
+          <p:nvPr>
+            <p:ph idx="1"/>
+          </p:nvPr>
+        </p:nvSpPr>
+        <p:spPr>
+          <a:xfrm>
+            <a:off x="515112" y="1885880"/>
+            <a:ext cx="9113797" cy="4764302"/>
+          </a:xfrm>
+        </p:spPr>
+        <p:txBody>
+          <a:bodyPr>
+            <a:normAutofit fontScale="92500" lnSpcReduction="20000"/>
+          </a:bodyPr>
+          <a:lstStyle/>
+          <a:p>
+            <a:pPr marL="0" indent="0">
+              <a:buNone/>
+            </a:pPr>
+            <a:r>
+              <a:rPr lang="en-AU" b="1" dirty="0"/>
+              <a:t>Stakeholders Action Plan:</a:t>
+            </a:r>
+          </a:p>
+          <a:p>
+            <a:pPr marL="0" indent="0">
+              <a:buNone/>
+            </a:pPr>
+            <a:r>
+              <a:rPr lang="en-AU" dirty="0"/>
+              <a:t>1. US Public Agencies:</a:t>
+            </a:r>
+          </a:p>
+          <a:p>
+            <a:pPr algn="ctr"/>
+            <a:r>
+              <a:rPr lang="en-AU" dirty="0"/>
+              <a:t>CDC: </a:t>
+            </a:r>
+            <a:r>
+              <a:rPr lang="en-US" b="1" dirty="0"/>
+              <a:t>Midwest and West regions’ upward trends in 2021 </a:t>
+            </a:r>
+            <a:r>
+              <a:rPr lang="en-US" dirty="0"/>
+              <a:t>and implement robust monitoring system.</a:t>
+            </a:r>
+          </a:p>
+          <a:p>
+            <a:pPr algn="ctr"/>
+            <a:r>
+              <a:rPr lang="en-AU" dirty="0"/>
+              <a:t>WHO: </a:t>
+            </a:r>
+            <a:r>
+              <a:rPr lang="en-US" dirty="0"/>
+              <a:t>Enhance global collaboration for drug and health crises, </a:t>
+            </a:r>
+            <a:r>
+              <a:rPr lang="en-US" b="1" dirty="0">
+                <a:solidFill>
+                  <a:srgbClr val="FF0000"/>
+                </a:solidFill>
+              </a:rPr>
+              <a:t>recognizing deaths will rise without action.</a:t>
+            </a:r>
+            <a:endParaRPr lang="en-AU" b="1" dirty="0">
+              <a:solidFill>
+                <a:srgbClr val="FF0000"/>
+              </a:solidFill>
+            </a:endParaRPr>
+          </a:p>
+          <a:p>
+            <a:pPr marL="0" indent="0">
+              <a:buNone/>
+            </a:pPr>
+            <a:endParaRPr lang="en-AU" dirty="0"/>
+          </a:p>
+          <a:p>
+            <a:pPr marL="0" indent="0">
+              <a:buNone/>
+            </a:pPr>
+            <a:r>
+              <a:rPr lang="en-AU" dirty="0"/>
+              <a:t>2. Pharmaceutical Companies:</a:t>
+            </a:r>
+          </a:p>
+          <a:p>
+            <a:pPr marL="0" indent="0" algn="ctr">
+              <a:buNone/>
+            </a:pPr>
+            <a:r>
+              <a:rPr lang="en-US" dirty="0"/>
+              <a:t>Pharmaceutical companies should share anonymized prescription data, invest in safer treatment options, and lead education campaigns for responsible prescribing.</a:t>
+            </a:r>
+            <a:endParaRPr lang="en-AU" dirty="0"/>
+          </a:p>
+          <a:p>
+            <a:pPr marL="0" indent="0">
+              <a:buNone/>
+            </a:pPr>
+            <a:endParaRPr lang="en-US" dirty="0"/>
+          </a:p>
+          <a:p>
+            <a:pPr marL="0" indent="0">
+              <a:buNone/>
+            </a:pPr>
+            <a:r>
+              <a:rPr lang="en-AU" dirty="0"/>
+              <a:t>3. Addiction &amp; Mental Health Services:</a:t>
+            </a:r>
+          </a:p>
+          <a:p>
+            <a:pPr marL="0" indent="0" algn="ctr">
+              <a:buNone/>
+            </a:pPr>
+            <a:r>
+              <a:rPr lang="en-US" dirty="0"/>
+              <a:t>Expand dual-diagnosis care, train clinicians for stimulant-focused treatments, and build integrated recovery hubs in the </a:t>
+            </a:r>
+            <a:r>
+              <a:rPr lang="en-US" b="1" dirty="0"/>
+              <a:t>Midwest and West.</a:t>
+            </a:r>
+            <a:endParaRPr lang="en-AU" b="1" dirty="0"/>
+          </a:p>
+          <a:p>
+            <a:pPr marL="0" indent="0">
+              <a:buNone/>
+            </a:pPr>
+            <a:endParaRPr lang="en-AU" dirty="0"/>
+          </a:p>
+          <a:p>
+            <a:pPr marL="0" indent="0">
+              <a:buNone/>
+            </a:pPr>
+            <a:endParaRPr lang="en-AU" dirty="0"/>
+          </a:p>
+          <a:p>
+            <a:pPr marL="0" indent="0">
+              <a:buNone/>
+            </a:pPr>
+            <a:endParaRPr lang="en-AU" dirty="0"/>
+          </a:p>
+        </p:txBody>
+      </p:sp>
+      <p:sp>
+        <p:nvSpPr>
+          <p:cNvPr id="4" name="Star: 5 Points 3">
+            <a:extLst>
+              <a:ext uri="{FF2B5EF4-FFF2-40B4-BE49-F238E27FC236}">
+                <a16:creationId xmlns:a16="http://schemas.microsoft.com/office/drawing/2014/main" id="{7581C6AD-A86B-DE88-866B-2D7D2A3E82BD}"/>
+              </a:ext>
+            </a:extLst>
+          </p:cNvPr>
+          <p:cNvSpPr/>
+          <p:nvPr/>
+        </p:nvSpPr>
+        <p:spPr>
+          <a:xfrm>
+            <a:off x="10922647" y="978408"/>
+            <a:ext cx="748145" cy="578425"/>
+          </a:xfrm>
+          <a:prstGeom prst="star5">
+            <a:avLst/>
+          </a:prstGeom>
+          <a:solidFill>
+            <a:srgbClr val="7030A0"/>
+          </a:solidFill>
+        </p:spPr>
+        <p:style>
+          <a:lnRef idx="2">
+            <a:schemeClr val="accent1">
+              <a:shade val="15000"/>
+            </a:schemeClr>
+          </a:lnRef>
+          <a:fillRef idx="1">
+            <a:schemeClr val="accent1"/>
+          </a:fillRef>
+          <a:effectRef idx="0">
+            <a:schemeClr val="accent1"/>
+          </a:effectRef>
+          <a:fontRef idx="minor">
+            <a:schemeClr val="lt1"/>
+          </a:fontRef>
+        </p:style>
+        <p:txBody>
+          <a:bodyPr rtlCol="0" anchor="ctr"/>
+          <a:lstStyle/>
+          <a:p>
+            <a:pPr algn="ctr"/>
+            <a:r>
+              <a:rPr lang="en-US" b="1" dirty="0"/>
+              <a:t>3</a:t>
+            </a:r>
+          </a:p>
+        </p:txBody>
+      </p:sp>
+      <p:pic>
+        <p:nvPicPr>
+          <p:cNvPr id="5" name="Picture 4" descr="A clipboard with check marks and a tick&#10;&#10;AI-generated content may be incorrect.">
+            <a:extLst>
+              <a:ext uri="{FF2B5EF4-FFF2-40B4-BE49-F238E27FC236}">
+                <a16:creationId xmlns:a16="http://schemas.microsoft.com/office/drawing/2014/main" id="{EA6DCACA-7E9C-F3A6-3C4E-F20FE60BBE1B}"/>
+              </a:ext>
+            </a:extLst>
+          </p:cNvPr>
+          <p:cNvPicPr>
+            <a:picLocks noChangeAspect="1"/>
+          </p:cNvPicPr>
+          <p:nvPr/>
+        </p:nvPicPr>
+        <p:blipFill>
+          <a:blip r:embed="rId2">
+            <a:extLst>
+              <a:ext uri="{28A0092B-C50C-407E-A947-70E740481C1C}">
+                <a14:useLocalDpi xmlns:a14="http://schemas.microsoft.com/office/drawing/2010/main" val="0"/>
+              </a:ext>
+            </a:extLst>
+          </a:blip>
+          <a:stretch>
+            <a:fillRect/>
+          </a:stretch>
+        </p:blipFill>
+        <p:spPr>
+          <a:xfrm>
+            <a:off x="3311237" y="978408"/>
+            <a:ext cx="748146" cy="748146"/>
+          </a:xfrm>
+          <a:prstGeom prst="rect">
+            <a:avLst/>
+          </a:prstGeom>
+        </p:spPr>
+      </p:pic>
+      <p:pic>
+        <p:nvPicPr>
+          <p:cNvPr id="6" name="Picture 5" descr="A silhouette of a head with a sign and a syringe in it&#10;&#10;AI-generated content may be incorrect.">
+            <a:extLst>
+              <a:ext uri="{FF2B5EF4-FFF2-40B4-BE49-F238E27FC236}">
+                <a16:creationId xmlns:a16="http://schemas.microsoft.com/office/drawing/2014/main" id="{B6223B5C-55FD-4D07-9D6C-78E16D41B55A}"/>
+              </a:ext>
+            </a:extLst>
+          </p:cNvPr>
+          <p:cNvPicPr>
+            <a:picLocks noChangeAspect="1"/>
+          </p:cNvPicPr>
+          <p:nvPr/>
+        </p:nvPicPr>
+        <p:blipFill>
+          <a:blip r:embed="rId3">
+            <a:extLst>
+              <a:ext uri="{28A0092B-C50C-407E-A947-70E740481C1C}">
+                <a14:useLocalDpi xmlns:a14="http://schemas.microsoft.com/office/drawing/2010/main" val="0"/>
+              </a:ext>
+            </a:extLst>
+          </a:blip>
+          <a:stretch>
+            <a:fillRect/>
+          </a:stretch>
+        </p:blipFill>
+        <p:spPr>
+          <a:xfrm>
+            <a:off x="9776521" y="3962400"/>
+            <a:ext cx="1520198" cy="2175164"/>
+          </a:xfrm>
+          <a:prstGeom prst="rect">
+            <a:avLst/>
+          </a:prstGeom>
+        </p:spPr>
+      </p:pic>
+    </p:spTree>
+    <p:extLst>
+      <p:ext uri="{BB962C8B-B14F-4D97-AF65-F5344CB8AC3E}">
+        <p14:creationId xmlns:p14="http://schemas.microsoft.com/office/powerpoint/2010/main" val="3634043085"/>
+      </p:ext>
+    </p:extLst>
+  </p:cSld>
+  <p:clrMapOvr>
+    <a:masterClrMapping/>
+  </p:clrMapOvr>
+</p:sld>
+</file>
+
+<file path=ppt/slides/slide31.xml><?xml version="1.0" encoding="utf-8"?>
+<p:sld xmlns:a="http://schemas.openxmlformats.org/drawingml/2006/main" xmlns:r="http://schemas.openxmlformats.org/officeDocument/2006/relationships" xmlns:p="http://schemas.openxmlformats.org/presentationml/2006/main">
+  <p:cSld>
+    <p:spTree>
+      <p:nvGrpSpPr>
+        <p:cNvPr id="1" name="">
+          <a:extLst>
+            <a:ext uri="{FF2B5EF4-FFF2-40B4-BE49-F238E27FC236}">
+              <a16:creationId xmlns:a16="http://schemas.microsoft.com/office/drawing/2014/main" id="{F2644142-C3BA-BBC7-E6F9-26CF29498741}"/>
+            </a:ext>
+          </a:extLst>
+        </p:cNvPr>
+        <p:cNvGrpSpPr/>
+        <p:nvPr/>
+      </p:nvGrpSpPr>
+      <p:grpSpPr>
+        <a:xfrm>
+          <a:off x="0" y="0"/>
+          <a:ext cx="0" cy="0"/>
+          <a:chOff x="0" y="0"/>
+          <a:chExt cx="0" cy="0"/>
+        </a:xfrm>
+      </p:grpSpPr>
+      <p:sp>
+        <p:nvSpPr>
+          <p:cNvPr id="2" name="Title 1">
+            <a:extLst>
+              <a:ext uri="{FF2B5EF4-FFF2-40B4-BE49-F238E27FC236}">
+                <a16:creationId xmlns:a16="http://schemas.microsoft.com/office/drawing/2014/main" id="{CD6A9DBE-6878-0BF5-475E-286952400D29}"/>
+              </a:ext>
+            </a:extLst>
+          </p:cNvPr>
+          <p:cNvSpPr>
+            <a:spLocks noGrp="1"/>
+          </p:cNvSpPr>
+          <p:nvPr>
+            <p:ph type="title"/>
+          </p:nvPr>
+        </p:nvSpPr>
+        <p:spPr>
+          <a:xfrm>
+            <a:off x="410372" y="978408"/>
+            <a:ext cx="11155680" cy="1463040"/>
+          </a:xfrm>
+        </p:spPr>
+        <p:txBody>
+          <a:bodyPr/>
+          <a:lstStyle/>
+          <a:p>
+            <a:r>
+              <a:rPr lang="en-US" dirty="0">
+                <a:solidFill>
+                  <a:srgbClr val="7030A0"/>
+                </a:solidFill>
+              </a:rPr>
+              <a:t>Summary</a:t>
+            </a:r>
+            <a:endParaRPr lang="en-AU" dirty="0">
+              <a:solidFill>
+                <a:srgbClr val="7030A0"/>
+              </a:solidFill>
+            </a:endParaRPr>
+          </a:p>
+        </p:txBody>
+      </p:sp>
+      <p:sp>
+        <p:nvSpPr>
+          <p:cNvPr id="3" name="Content Placeholder 2">
+            <a:extLst>
+              <a:ext uri="{FF2B5EF4-FFF2-40B4-BE49-F238E27FC236}">
+                <a16:creationId xmlns:a16="http://schemas.microsoft.com/office/drawing/2014/main" id="{8360BA6B-1389-A5FA-E947-4326174841A8}"/>
+              </a:ext>
+            </a:extLst>
+          </p:cNvPr>
+          <p:cNvSpPr>
+            <a:spLocks noGrp="1"/>
+          </p:cNvSpPr>
+          <p:nvPr>
+            <p:ph idx="1"/>
+          </p:nvPr>
+        </p:nvSpPr>
+        <p:spPr>
+          <a:xfrm>
+            <a:off x="515112" y="1844315"/>
+            <a:ext cx="7718018" cy="4888993"/>
+          </a:xfrm>
+        </p:spPr>
+        <p:txBody>
+          <a:bodyPr>
+            <a:normAutofit/>
+          </a:bodyPr>
+          <a:lstStyle/>
+          <a:p>
+            <a:pPr marL="0" indent="0">
+              <a:buNone/>
+            </a:pPr>
+            <a:r>
+              <a:rPr lang="en-US" b="1" u="sng" dirty="0"/>
+              <a:t>Reminder why this analysis is important:</a:t>
+            </a:r>
+          </a:p>
+          <a:p>
+            <a:r>
+              <a:rPr lang="en-US" dirty="0"/>
+              <a:t>Drug use and overdose deaths in the U.S. are at record highs, with rising suicide rates linked to drug misuse and mental health struggles.</a:t>
+            </a:r>
+          </a:p>
+          <a:p>
+            <a:r>
+              <a:rPr lang="en-US" dirty="0"/>
+              <a:t>Slow coordination between health organizations and law enforcement hinders effective responses. </a:t>
+            </a:r>
+          </a:p>
+          <a:p>
+            <a:r>
+              <a:rPr lang="en-US" dirty="0"/>
+              <a:t>Research and community education are critical for targeted prevention, stronger interventions, and informed policy development.</a:t>
+            </a:r>
+          </a:p>
+          <a:p>
+            <a:pPr marL="0" indent="0">
+              <a:buNone/>
+            </a:pPr>
+            <a:endParaRPr lang="en-US" dirty="0"/>
+          </a:p>
+          <a:p>
+            <a:pPr marL="0" indent="0" algn="ctr">
+              <a:buNone/>
+            </a:pPr>
+            <a:r>
+              <a:rPr lang="en-US" dirty="0"/>
+              <a:t>Stakeholders should consistently analyze patterns and anomalies to identify opportunities for reducing drug overdose rates, recognizing that while complete elimination may be unattainable, significant reductions are achievable.</a:t>
+            </a:r>
+          </a:p>
+        </p:txBody>
+      </p:sp>
+      <p:sp>
+        <p:nvSpPr>
+          <p:cNvPr id="4" name="Star: 5 Points 3">
+            <a:extLst>
+              <a:ext uri="{FF2B5EF4-FFF2-40B4-BE49-F238E27FC236}">
+                <a16:creationId xmlns:a16="http://schemas.microsoft.com/office/drawing/2014/main" id="{E98492DB-984E-2CE0-71EE-43D5C8236EDC}"/>
+              </a:ext>
+            </a:extLst>
+          </p:cNvPr>
+          <p:cNvSpPr/>
+          <p:nvPr/>
+        </p:nvSpPr>
+        <p:spPr>
+          <a:xfrm>
+            <a:off x="10922647" y="978408"/>
+            <a:ext cx="748145" cy="578425"/>
+          </a:xfrm>
+          <a:prstGeom prst="star5">
+            <a:avLst/>
+          </a:prstGeom>
+          <a:solidFill>
+            <a:srgbClr val="7030A0"/>
+          </a:solidFill>
+        </p:spPr>
+        <p:style>
+          <a:lnRef idx="2">
+            <a:schemeClr val="accent1">
+              <a:shade val="15000"/>
+            </a:schemeClr>
+          </a:lnRef>
+          <a:fillRef idx="1">
+            <a:schemeClr val="accent1"/>
+          </a:fillRef>
+          <a:effectRef idx="0">
+            <a:schemeClr val="accent1"/>
+          </a:effectRef>
+          <a:fontRef idx="minor">
+            <a:schemeClr val="lt1"/>
+          </a:fontRef>
+        </p:style>
+        <p:txBody>
+          <a:bodyPr rtlCol="0" anchor="ctr"/>
+          <a:lstStyle/>
+          <a:p>
+            <a:pPr algn="ctr"/>
+            <a:r>
+              <a:rPr lang="en-US" b="1" dirty="0"/>
+              <a:t>3</a:t>
+            </a:r>
+          </a:p>
+        </p:txBody>
+      </p:sp>
+      <p:pic>
+        <p:nvPicPr>
+          <p:cNvPr id="5" name="Picture 4" descr="A clipboard with check marks and a tick&#10;&#10;AI-generated content may be incorrect.">
+            <a:extLst>
+              <a:ext uri="{FF2B5EF4-FFF2-40B4-BE49-F238E27FC236}">
+                <a16:creationId xmlns:a16="http://schemas.microsoft.com/office/drawing/2014/main" id="{4A13828E-7411-8635-81D4-85AB9E73091F}"/>
+              </a:ext>
+            </a:extLst>
+          </p:cNvPr>
+          <p:cNvPicPr>
+            <a:picLocks noChangeAspect="1"/>
+          </p:cNvPicPr>
+          <p:nvPr/>
+        </p:nvPicPr>
+        <p:blipFill>
+          <a:blip r:embed="rId2">
+            <a:extLst>
+              <a:ext uri="{28A0092B-C50C-407E-A947-70E740481C1C}">
+                <a14:useLocalDpi xmlns:a14="http://schemas.microsoft.com/office/drawing/2010/main" val="0"/>
+              </a:ext>
+            </a:extLst>
+          </a:blip>
+          <a:stretch>
+            <a:fillRect/>
+          </a:stretch>
+        </p:blipFill>
+        <p:spPr>
+          <a:xfrm>
+            <a:off x="3311237" y="978408"/>
+            <a:ext cx="748146" cy="748146"/>
+          </a:xfrm>
+          <a:prstGeom prst="rect">
+            <a:avLst/>
+          </a:prstGeom>
+        </p:spPr>
+      </p:pic>
+      <p:pic>
+        <p:nvPicPr>
+          <p:cNvPr id="6" name="Picture 5" descr="A purple and blue ribbon&#10;&#10;AI-generated content may be incorrect.">
+            <a:extLst>
+              <a:ext uri="{FF2B5EF4-FFF2-40B4-BE49-F238E27FC236}">
+                <a16:creationId xmlns:a16="http://schemas.microsoft.com/office/drawing/2014/main" id="{D030D280-A2D9-7F65-B883-173BAF143BE0}"/>
+              </a:ext>
+            </a:extLst>
+          </p:cNvPr>
+          <p:cNvPicPr>
+            <a:picLocks noChangeAspect="1"/>
+          </p:cNvPicPr>
+          <p:nvPr/>
+        </p:nvPicPr>
+        <p:blipFill>
+          <a:blip r:embed="rId3">
+            <a:extLst>
+              <a:ext uri="{28A0092B-C50C-407E-A947-70E740481C1C}">
+                <a14:useLocalDpi xmlns:a14="http://schemas.microsoft.com/office/drawing/2010/main" val="0"/>
+              </a:ext>
+            </a:extLst>
+          </a:blip>
+          <a:stretch>
+            <a:fillRect/>
+          </a:stretch>
+        </p:blipFill>
+        <p:spPr>
+          <a:xfrm>
+            <a:off x="8571976" y="2441448"/>
+            <a:ext cx="3332922" cy="3332922"/>
+          </a:xfrm>
+          <a:prstGeom prst="rect">
+            <a:avLst/>
+          </a:prstGeom>
+        </p:spPr>
+      </p:pic>
+      <p:pic>
+        <p:nvPicPr>
+          <p:cNvPr id="7" name="Picture 6" descr="A purple and blue ribbon&#10;&#10;AI-generated content may be incorrect.">
+            <a:extLst>
+              <a:ext uri="{FF2B5EF4-FFF2-40B4-BE49-F238E27FC236}">
+                <a16:creationId xmlns:a16="http://schemas.microsoft.com/office/drawing/2014/main" id="{AFC174F0-6009-BD8A-E111-8E46B287ACDD}"/>
+              </a:ext>
+            </a:extLst>
+          </p:cNvPr>
+          <p:cNvPicPr>
+            <a:picLocks noChangeAspect="1"/>
+          </p:cNvPicPr>
+          <p:nvPr/>
+        </p:nvPicPr>
+        <p:blipFill>
+          <a:blip r:embed="rId3">
+            <a:extLst>
+              <a:ext uri="{28A0092B-C50C-407E-A947-70E740481C1C}">
+                <a14:useLocalDpi xmlns:a14="http://schemas.microsoft.com/office/drawing/2010/main" val="0"/>
+              </a:ext>
+            </a:extLst>
+          </a:blip>
+          <a:stretch>
+            <a:fillRect/>
+          </a:stretch>
+        </p:blipFill>
+        <p:spPr>
+          <a:xfrm>
+            <a:off x="8724376" y="2593848"/>
+            <a:ext cx="3332922" cy="3332922"/>
+          </a:xfrm>
+          <a:prstGeom prst="rect">
+            <a:avLst/>
+          </a:prstGeom>
+        </p:spPr>
+      </p:pic>
+    </p:spTree>
+    <p:extLst>
+      <p:ext uri="{BB962C8B-B14F-4D97-AF65-F5344CB8AC3E}">
+        <p14:creationId xmlns:p14="http://schemas.microsoft.com/office/powerpoint/2010/main" val="931706438"/>
+      </p:ext>
+    </p:extLst>
+  </p:cSld>
+  <p:clrMapOvr>
+    <a:masterClrMapping/>
+  </p:clrMapOvr>
+</p:sld>
+</file>
+
+<file path=ppt/slides/slide32.xml><?xml version="1.0" encoding="utf-8"?>
+<p:sld xmlns:a="http://schemas.openxmlformats.org/drawingml/2006/main" xmlns:r="http://schemas.openxmlformats.org/officeDocument/2006/relationships" xmlns:p="http://schemas.openxmlformats.org/presentationml/2006/main">
+  <p:cSld>
+    <p:spTree>
+      <p:nvGrpSpPr>
+        <p:cNvPr id="1" name=""/>
+        <p:cNvGrpSpPr/>
+        <p:nvPr/>
+      </p:nvGrpSpPr>
+      <p:grpSpPr>
+        <a:xfrm>
+          <a:off x="0" y="0"/>
+          <a:ext cx="0" cy="0"/>
+          <a:chOff x="0" y="0"/>
+          <a:chExt cx="0" cy="0"/>
+        </a:xfrm>
+      </p:grpSpPr>
+      <p:sp>
+        <p:nvSpPr>
+          <p:cNvPr id="2" name="Title 1">
+            <a:extLst>
+              <a:ext uri="{FF2B5EF4-FFF2-40B4-BE49-F238E27FC236}">
+                <a16:creationId xmlns:a16="http://schemas.microsoft.com/office/drawing/2014/main" id="{2204DA57-521D-C8C9-F1D1-6FABABBAD86D}"/>
+              </a:ext>
+            </a:extLst>
+          </p:cNvPr>
+          <p:cNvSpPr>
+            <a:spLocks noGrp="1"/>
+          </p:cNvSpPr>
+          <p:nvPr>
+            <p:ph type="title"/>
+          </p:nvPr>
+        </p:nvSpPr>
+        <p:spPr/>
+        <p:txBody>
+          <a:bodyPr/>
+          <a:lstStyle/>
+          <a:p>
+            <a:r>
+              <a:rPr lang="en-AU" dirty="0"/>
+              <a:t>QUESTIONS?</a:t>
+            </a:r>
+          </a:p>
+        </p:txBody>
+      </p:sp>
+      <p:pic>
+        <p:nvPicPr>
+          <p:cNvPr id="5" name="Picture 4" descr="Cartoon person holding a puppet&#10;&#10;AI-generated content may be incorrect.">
+            <a:extLst>
+              <a:ext uri="{FF2B5EF4-FFF2-40B4-BE49-F238E27FC236}">
+                <a16:creationId xmlns:a16="http://schemas.microsoft.com/office/drawing/2014/main" id="{9CAD8D81-6BEE-F47E-DC33-FCB7C0D29D7C}"/>
+              </a:ext>
+            </a:extLst>
+          </p:cNvPr>
+          <p:cNvPicPr>
+            <a:picLocks noChangeAspect="1"/>
+          </p:cNvPicPr>
+          <p:nvPr/>
+        </p:nvPicPr>
+        <p:blipFill>
+          <a:blip r:embed="rId2">
+            <a:extLst>
+              <a:ext uri="{28A0092B-C50C-407E-A947-70E740481C1C}">
+                <a14:useLocalDpi xmlns:a14="http://schemas.microsoft.com/office/drawing/2010/main" val="0"/>
+              </a:ext>
+            </a:extLst>
+          </a:blip>
+          <a:stretch>
+            <a:fillRect/>
+          </a:stretch>
+        </p:blipFill>
+        <p:spPr>
+          <a:xfrm>
+            <a:off x="3320315" y="1868379"/>
+            <a:ext cx="6069345" cy="4546150"/>
+          </a:xfrm>
+          <a:prstGeom prst="rect">
+            <a:avLst/>
+          </a:prstGeom>
+        </p:spPr>
+      </p:pic>
+    </p:spTree>
+    <p:extLst>
+      <p:ext uri="{BB962C8B-B14F-4D97-AF65-F5344CB8AC3E}">
+        <p14:creationId xmlns:p14="http://schemas.microsoft.com/office/powerpoint/2010/main" val="3190858069"/>
       </p:ext>
     </p:extLst>
   </p:cSld>
@@ -14213,14 +16370,14 @@
           <p:nvPr>
             <p:extLst>
               <p:ext uri="{D42A27DB-BD31-4B8C-83A1-F6EECF244321}">
-                <p14:modId xmlns:p14="http://schemas.microsoft.com/office/powerpoint/2010/main" val="666358386"/>
+                <p14:modId xmlns:p14="http://schemas.microsoft.com/office/powerpoint/2010/main" val="2825656671"/>
               </p:ext>
             </p:extLst>
           </p:nvPr>
         </p:nvGraphicFramePr>
         <p:xfrm>
-          <a:off x="411715" y="2843784"/>
-          <a:ext cx="11438347" cy="3570522"/>
+          <a:off x="356859" y="2646978"/>
+          <a:ext cx="11478283" cy="4106927"/>
         </p:xfrm>
         <a:graphic>
           <a:graphicData uri="http://schemas.openxmlformats.org/drawingml/2006/table">
@@ -14229,21 +16386,21 @@
                 <a:tableStyleId>{10A1B5D5-9B99-4C35-A422-299274C87663}</a:tableStyleId>
               </a:tblPr>
               <a:tblGrid>
-                <a:gridCol w="1678968">
+                <a:gridCol w="1684830">
                   <a:extLst>
                     <a:ext uri="{9D8B030D-6E8A-4147-A177-3AD203B41FA5}">
                       <a16:colId xmlns:a16="http://schemas.microsoft.com/office/drawing/2014/main" val="3467330583"/>
                     </a:ext>
                   </a:extLst>
                 </a:gridCol>
-                <a:gridCol w="7772400">
+                <a:gridCol w="7892020">
                   <a:extLst>
                     <a:ext uri="{9D8B030D-6E8A-4147-A177-3AD203B41FA5}">
                       <a16:colId xmlns:a16="http://schemas.microsoft.com/office/drawing/2014/main" val="4251722297"/>
                     </a:ext>
                   </a:extLst>
                 </a:gridCol>
-                <a:gridCol w="1986979">
+                <a:gridCol w="1901433">
                   <a:extLst>
                     <a:ext uri="{9D8B030D-6E8A-4147-A177-3AD203B41FA5}">
                       <a16:colId xmlns:a16="http://schemas.microsoft.com/office/drawing/2014/main" val="1531049847"/>
@@ -14251,7 +16408,7 @@
                   </a:extLst>
                 </a:gridCol>
               </a:tblGrid>
-              <a:tr h="336739">
+              <a:tr h="350975">
                 <a:tc>
                   <a:txBody>
                     <a:bodyPr/>
@@ -14329,7 +16486,7 @@
                   </a:ext>
                 </a:extLst>
               </a:tr>
-              <a:tr h="601324">
+              <a:tr h="577016">
                 <a:tc>
                   <a:txBody>
                     <a:bodyPr/>
@@ -14382,7 +16539,7 @@
                   </a:ext>
                 </a:extLst>
               </a:tr>
-              <a:tr h="601324">
+              <a:tr h="614205">
                 <a:tc>
                   <a:txBody>
                     <a:bodyPr/>
@@ -14428,7 +16585,7 @@
                   </a:ext>
                 </a:extLst>
               </a:tr>
-              <a:tr h="601324">
+              <a:tr h="577016">
                 <a:tc>
                   <a:txBody>
                     <a:bodyPr/>
@@ -14474,7 +16631,7 @@
                   </a:ext>
                 </a:extLst>
               </a:tr>
-              <a:tr h="760710">
+              <a:tr h="729959">
                 <a:tc>
                   <a:txBody>
                     <a:bodyPr/>
@@ -14528,7 +16685,7 @@
                   </a:ext>
                 </a:extLst>
               </a:tr>
-              <a:tr h="601324">
+              <a:tr h="577016">
                 <a:tc>
                   <a:txBody>
                     <a:bodyPr/>
@@ -14574,6 +16731,52 @@
                   </a:ext>
                 </a:extLst>
               </a:tr>
+              <a:tr h="577016">
+                <a:tc>
+                  <a:txBody>
+                    <a:bodyPr/>
+                    <a:lstStyle/>
+                    <a:p>
+                      <a:pPr algn="ctr"/>
+                      <a:r>
+                        <a:rPr lang="en-AU" dirty="0"/>
+                        <a:t>Version Control</a:t>
+                      </a:r>
+                    </a:p>
+                  </a:txBody>
+                  <a:tcPr/>
+                </a:tc>
+                <a:tc>
+                  <a:txBody>
+                    <a:bodyPr/>
+                    <a:lstStyle/>
+                    <a:p>
+                      <a:pPr algn="ctr"/>
+                      <a:r>
+                        <a:rPr lang="en-AU" dirty="0"/>
+                        <a:t>GitHub</a:t>
+                      </a:r>
+                    </a:p>
+                  </a:txBody>
+                  <a:tcPr/>
+                </a:tc>
+                <a:tc>
+                  <a:txBody>
+                    <a:bodyPr/>
+                    <a:lstStyle/>
+                    <a:p>
+                      <a:pPr algn="ctr"/>
+                      <a:endParaRPr lang="en-AU" dirty="0"/>
+                    </a:p>
+                  </a:txBody>
+                  <a:tcPr/>
+                </a:tc>
+                <a:extLst>
+                  <a:ext uri="{0D108BD9-81ED-4DB2-BD59-A6C34878D82A}">
+                    <a16:rowId xmlns:a16="http://schemas.microsoft.com/office/drawing/2014/main" val="2513471262"/>
+                  </a:ext>
+                </a:extLst>
+              </a:tr>
             </a:tbl>
           </a:graphicData>
         </a:graphic>
@@ -14600,7 +16803,7 @@
         </p:blipFill>
         <p:spPr>
           <a:xfrm>
-            <a:off x="10305931" y="3235623"/>
+            <a:off x="10283647" y="3070620"/>
             <a:ext cx="1333372" cy="514985"/>
           </a:xfrm>
           <a:prstGeom prst="rect">
@@ -14630,7 +16833,7 @@
         </p:blipFill>
         <p:spPr>
           <a:xfrm>
-            <a:off x="10829586" y="5098660"/>
+            <a:off x="10748961" y="4838822"/>
             <a:ext cx="1328832" cy="697637"/>
           </a:xfrm>
           <a:prstGeom prst="rect">
@@ -14660,7 +16863,7 @@
         </p:blipFill>
         <p:spPr>
           <a:xfrm>
-            <a:off x="10237486" y="5061111"/>
+            <a:off x="10155390" y="4805124"/>
             <a:ext cx="697637" cy="697637"/>
           </a:xfrm>
           <a:prstGeom prst="rect">
@@ -14690,7 +16893,7 @@
         </p:blipFill>
         <p:spPr>
           <a:xfrm>
-            <a:off x="10734203" y="4459918"/>
+            <a:off x="10677383" y="4208527"/>
             <a:ext cx="585227" cy="585227"/>
           </a:xfrm>
           <a:prstGeom prst="rect">
@@ -14720,7 +16923,7 @@
         </p:blipFill>
         <p:spPr>
           <a:xfrm>
-            <a:off x="10870231" y="3829558"/>
+            <a:off x="10834316" y="3646669"/>
             <a:ext cx="325127" cy="585228"/>
           </a:xfrm>
           <a:prstGeom prst="rect">
@@ -14750,7 +16953,7 @@
         </p:blipFill>
         <p:spPr>
           <a:xfrm>
-            <a:off x="10233976" y="3873240"/>
+            <a:off x="10219218" y="3667217"/>
             <a:ext cx="514985" cy="514985"/>
           </a:xfrm>
           <a:prstGeom prst="rect">
@@ -14780,7 +16983,7 @@
         </p:blipFill>
         <p:spPr>
           <a:xfrm>
-            <a:off x="11320156" y="3883868"/>
+            <a:off x="11278164" y="3677575"/>
             <a:ext cx="514986" cy="514986"/>
           </a:xfrm>
           <a:prstGeom prst="rect">
@@ -14810,8 +17013,44 @@
         </p:blipFill>
         <p:spPr>
           <a:xfrm>
-            <a:off x="10748961" y="5849812"/>
+            <a:off x="10698617" y="5561602"/>
             <a:ext cx="503431" cy="503431"/>
+          </a:xfrm>
+          <a:prstGeom prst="rect">
+            <a:avLst/>
+          </a:prstGeom>
+        </p:spPr>
+      </p:pic>
+      <p:pic>
+        <p:nvPicPr>
+          <p:cNvPr id="9" name="Picture 8" descr="A black cat with a tail&#10;&#10;AI-generated content may be incorrect.">
+            <a:extLst>
+              <a:ext uri="{FF2B5EF4-FFF2-40B4-BE49-F238E27FC236}">
+                <a16:creationId xmlns:a16="http://schemas.microsoft.com/office/drawing/2014/main" id="{5F521CD8-CFA1-D380-ECF7-4BF9BA1CCD26}"/>
+              </a:ext>
+            </a:extLst>
+          </p:cNvPr>
+          <p:cNvPicPr>
+            <a:picLocks noChangeAspect="1"/>
+          </p:cNvPicPr>
+          <p:nvPr/>
+        </p:nvPicPr>
+        <p:blipFill>
+          <a:blip r:embed="rId12">
+            <a:extLst>
+              <a:ext uri="{28A0092B-C50C-407E-A947-70E740481C1C}">
+                <a14:useLocalDpi xmlns:a14="http://schemas.microsoft.com/office/drawing/2010/main" val="0"/>
+              </a:ext>
+            </a:extLst>
+          </a:blip>
+          <a:stretch>
+            <a:fillRect/>
+          </a:stretch>
+        </p:blipFill>
+        <p:spPr>
+          <a:xfrm>
+            <a:off x="10653472" y="6126881"/>
+            <a:ext cx="593719" cy="593719"/>
           </a:xfrm>
           <a:prstGeom prst="rect">
             <a:avLst/>
